--- a/Docs/design.pptx
+++ b/Docs/design.pptx
@@ -5,13 +5,19 @@
     <p:sldMasterId id="2147483648" r:id="rId1"/>
   </p:sldMasterIdLst>
   <p:notesMasterIdLst>
-    <p:notesMasterId r:id="rId6"/>
+    <p:notesMasterId r:id="rId12"/>
   </p:notesMasterIdLst>
   <p:sldIdLst>
     <p:sldId id="256" r:id="rId2"/>
     <p:sldId id="257" r:id="rId3"/>
     <p:sldId id="258" r:id="rId4"/>
     <p:sldId id="259" r:id="rId5"/>
+    <p:sldId id="264" r:id="rId6"/>
+    <p:sldId id="265" r:id="rId7"/>
+    <p:sldId id="263" r:id="rId8"/>
+    <p:sldId id="260" r:id="rId9"/>
+    <p:sldId id="261" r:id="rId10"/>
+    <p:sldId id="262" r:id="rId11"/>
   </p:sldIdLst>
   <p:sldSz cx="12192000" cy="6858000"/>
   <p:notesSz cx="6858000" cy="9144000"/>
@@ -111,11 +117,97 @@
     </a:lvl9pPr>
   </p:defaultTextStyle>
   <p:extLst>
+    <p:ext uri="{521415D9-36F7-43E2-AB2F-B90AF26B5E84}">
+      <p14:sectionLst xmlns:p14="http://schemas.microsoft.com/office/powerpoint/2010/main">
+        <p14:section name="默认节" id="{54DEA2C0-849D-4C96-8900-3BB9D27F1155}">
+          <p14:sldIdLst>
+            <p14:sldId id="256"/>
+            <p14:sldId id="257"/>
+            <p14:sldId id="258"/>
+            <p14:sldId id="259"/>
+          </p14:sldIdLst>
+        </p14:section>
+        <p14:section name="WorkLogic" id="{7BC762FA-EEB1-467D-BF91-60622BD130A4}">
+          <p14:sldIdLst>
+            <p14:sldId id="264"/>
+            <p14:sldId id="265"/>
+          </p14:sldIdLst>
+        </p14:section>
+        <p14:section name="前端工厂" id="{74F7125E-A79F-45BA-A219-842D2AA95EF9}">
+          <p14:sldIdLst>
+            <p14:sldId id="263"/>
+          </p14:sldIdLst>
+        </p14:section>
+        <p14:section name="后端工厂" id="{E5EB41CA-20D9-4D63-AD7D-920B15E8DB49}">
+          <p14:sldIdLst>
+            <p14:sldId id="260"/>
+            <p14:sldId id="261"/>
+            <p14:sldId id="262"/>
+          </p14:sldIdLst>
+        </p14:section>
+      </p14:sectionLst>
+    </p:ext>
     <p:ext uri="{EFAFB233-063F-42B5-8137-9DF3F51BA10A}">
       <p15:sldGuideLst xmlns:p15="http://schemas.microsoft.com/office/powerpoint/2012/main"/>
     </p:ext>
   </p:extLst>
 </p:presentation>
+</file>
+
+<file path=ppt/activeX/activeX1.xml><?xml version="1.0" encoding="utf-8"?>
+<ax:ocx xmlns:ax="http://schemas.microsoft.com/office/2006/activeX" xmlns:r="http://schemas.openxmlformats.org/officeDocument/2006/relationships" ax:classid="{79176FB0-B7F2-11CE-97EF-00AA006D2776}" ax:persistence="persistStorage" r:id="rId1"/>
+</file>
+
+<file path=ppt/activeX/activeX10.xml><?xml version="1.0" encoding="utf-8"?>
+<ax:ocx xmlns:ax="http://schemas.microsoft.com/office/2006/activeX" xmlns:r="http://schemas.openxmlformats.org/officeDocument/2006/relationships" ax:classid="{8BD21D10-EC42-11CE-9E0D-00AA006002F3}" ax:persistence="persistStorage" r:id="rId1"/>
+</file>
+
+<file path=ppt/activeX/activeX11.xml><?xml version="1.0" encoding="utf-8"?>
+<ax:ocx xmlns:ax="http://schemas.microsoft.com/office/2006/activeX" xmlns:r="http://schemas.openxmlformats.org/officeDocument/2006/relationships" ax:classid="{79176FB0-B7F2-11CE-97EF-00AA006D2776}" ax:persistence="persistStorage" r:id="rId1"/>
+</file>
+
+<file path=ppt/activeX/activeX12.xml><?xml version="1.0" encoding="utf-8"?>
+<ax:ocx xmlns:ax="http://schemas.microsoft.com/office/2006/activeX" xmlns:r="http://schemas.openxmlformats.org/officeDocument/2006/relationships" ax:classid="{8BD21D10-EC42-11CE-9E0D-00AA006002F3}" ax:persistence="persistStorage" r:id="rId1"/>
+</file>
+
+<file path=ppt/activeX/activeX13.xml><?xml version="1.0" encoding="utf-8"?>
+<ax:ocx xmlns:ax="http://schemas.microsoft.com/office/2006/activeX" xmlns:r="http://schemas.openxmlformats.org/officeDocument/2006/relationships" ax:classid="{79176FB0-B7F2-11CE-97EF-00AA006D2776}" ax:persistence="persistStorage" r:id="rId1"/>
+</file>
+
+<file path=ppt/activeX/activeX14.xml><?xml version="1.0" encoding="utf-8"?>
+<ax:ocx xmlns:ax="http://schemas.microsoft.com/office/2006/activeX" xmlns:r="http://schemas.openxmlformats.org/officeDocument/2006/relationships" ax:classid="{8BD21D10-EC42-11CE-9E0D-00AA006002F3}" ax:persistence="persistStorage" r:id="rId1"/>
+</file>
+
+<file path=ppt/activeX/activeX2.xml><?xml version="1.0" encoding="utf-8"?>
+<ax:ocx xmlns:ax="http://schemas.microsoft.com/office/2006/activeX" xmlns:r="http://schemas.openxmlformats.org/officeDocument/2006/relationships" ax:classid="{8BD21D10-EC42-11CE-9E0D-00AA006002F3}" ax:persistence="persistStorage" r:id="rId1"/>
+</file>
+
+<file path=ppt/activeX/activeX3.xml><?xml version="1.0" encoding="utf-8"?>
+<ax:ocx xmlns:ax="http://schemas.microsoft.com/office/2006/activeX" xmlns:r="http://schemas.openxmlformats.org/officeDocument/2006/relationships" ax:classid="{79176FB0-B7F2-11CE-97EF-00AA006D2776}" ax:persistence="persistStorage" r:id="rId1"/>
+</file>
+
+<file path=ppt/activeX/activeX4.xml><?xml version="1.0" encoding="utf-8"?>
+<ax:ocx xmlns:ax="http://schemas.microsoft.com/office/2006/activeX" xmlns:r="http://schemas.openxmlformats.org/officeDocument/2006/relationships" ax:classid="{8BD21D10-EC42-11CE-9E0D-00AA006002F3}" ax:persistence="persistStorage" r:id="rId1"/>
+</file>
+
+<file path=ppt/activeX/activeX5.xml><?xml version="1.0" encoding="utf-8"?>
+<ax:ocx xmlns:ax="http://schemas.microsoft.com/office/2006/activeX" xmlns:r="http://schemas.openxmlformats.org/officeDocument/2006/relationships" ax:classid="{79176FB0-B7F2-11CE-97EF-00AA006D2776}" ax:persistence="persistStorage" r:id="rId1"/>
+</file>
+
+<file path=ppt/activeX/activeX6.xml><?xml version="1.0" encoding="utf-8"?>
+<ax:ocx xmlns:ax="http://schemas.microsoft.com/office/2006/activeX" xmlns:r="http://schemas.openxmlformats.org/officeDocument/2006/relationships" ax:classid="{8BD21D10-EC42-11CE-9E0D-00AA006002F3}" ax:persistence="persistStorage" r:id="rId1"/>
+</file>
+
+<file path=ppt/activeX/activeX7.xml><?xml version="1.0" encoding="utf-8"?>
+<ax:ocx xmlns:ax="http://schemas.microsoft.com/office/2006/activeX" xmlns:r="http://schemas.openxmlformats.org/officeDocument/2006/relationships" ax:classid="{79176FB0-B7F2-11CE-97EF-00AA006D2776}" ax:persistence="persistStorage" r:id="rId1"/>
+</file>
+
+<file path=ppt/activeX/activeX8.xml><?xml version="1.0" encoding="utf-8"?>
+<ax:ocx xmlns:ax="http://schemas.microsoft.com/office/2006/activeX" xmlns:r="http://schemas.openxmlformats.org/officeDocument/2006/relationships" ax:classid="{8BD21D10-EC42-11CE-9E0D-00AA006002F3}" ax:persistence="persistStorage" r:id="rId1"/>
+</file>
+
+<file path=ppt/activeX/activeX9.xml><?xml version="1.0" encoding="utf-8"?>
+<ax:ocx xmlns:ax="http://schemas.microsoft.com/office/2006/activeX" xmlns:r="http://schemas.openxmlformats.org/officeDocument/2006/relationships" ax:classid="{79176FB0-B7F2-11CE-97EF-00AA006D2776}" ax:persistence="persistStorage" r:id="rId1"/>
 </file>
 
 <file path=ppt/notesMasters/notesMaster1.xml><?xml version="1.0" encoding="utf-8"?>
@@ -200,7 +292,7 @@
           <a:p>
             <a:fld id="{74658DE0-D763-4FE9-B2D7-5B1C358818CC}" type="datetimeFigureOut">
               <a:rPr lang="zh-CN" altLang="en-US" smtClean="0"/>
-              <a:t>2019/3/16</a:t>
+              <a:t>2019/5/6</a:t>
             </a:fld>
             <a:endParaRPr lang="zh-CN" altLang="en-US"/>
           </a:p>
@@ -264,38 +356,37 @@
           <a:p>
             <a:pPr lvl="0"/>
             <a:r>
-              <a:rPr lang="zh-CN" altLang="en-US" smtClean="0"/>
+              <a:rPr lang="zh-CN" altLang="en-US"/>
               <a:t>编辑母版文本样式</a:t>
             </a:r>
           </a:p>
           <a:p>
             <a:pPr lvl="1"/>
             <a:r>
-              <a:rPr lang="zh-CN" altLang="en-US" smtClean="0"/>
+              <a:rPr lang="zh-CN" altLang="en-US"/>
               <a:t>第二级</a:t>
             </a:r>
           </a:p>
           <a:p>
             <a:pPr lvl="2"/>
             <a:r>
-              <a:rPr lang="zh-CN" altLang="en-US" smtClean="0"/>
+              <a:rPr lang="zh-CN" altLang="en-US"/>
               <a:t>第三级</a:t>
             </a:r>
           </a:p>
           <a:p>
             <a:pPr lvl="3"/>
             <a:r>
-              <a:rPr lang="zh-CN" altLang="en-US" smtClean="0"/>
+              <a:rPr lang="zh-CN" altLang="en-US"/>
               <a:t>第四级</a:t>
             </a:r>
           </a:p>
           <a:p>
             <a:pPr lvl="4"/>
             <a:r>
-              <a:rPr lang="zh-CN" altLang="en-US" smtClean="0"/>
+              <a:rPr lang="zh-CN" altLang="en-US"/>
               <a:t>第五级</a:t>
             </a:r>
-            <a:endParaRPr lang="zh-CN" altLang="en-US"/>
           </a:p>
         </p:txBody>
       </p:sp>
@@ -513,22 +604,21 @@
           <a:lstStyle/>
           <a:p>
             <a:r>
-              <a:rPr lang="en-US" altLang="zh-CN" dirty="0" smtClean="0"/>
+              <a:rPr lang="en-US" altLang="zh-CN" dirty="0"/>
               <a:t>Window </a:t>
             </a:r>
             <a:r>
-              <a:rPr lang="en-US" altLang="zh-CN" dirty="0" err="1" smtClean="0"/>
+              <a:rPr lang="en-US" altLang="zh-CN" dirty="0" err="1"/>
               <a:t>NewProject</a:t>
             </a:r>
             <a:r>
-              <a:rPr lang="en-US" altLang="zh-CN" dirty="0" smtClean="0"/>
+              <a:rPr lang="en-US" altLang="zh-CN" dirty="0"/>
               <a:t> </a:t>
             </a:r>
             <a:r>
-              <a:rPr lang="zh-CN" altLang="en-US" dirty="0" smtClean="0"/>
+              <a:rPr lang="zh-CN" altLang="en-US" dirty="0"/>
               <a:t>原型设计图</a:t>
             </a:r>
-            <a:endParaRPr lang="zh-CN" altLang="en-US" dirty="0"/>
           </a:p>
         </p:txBody>
       </p:sp>
@@ -613,18 +703,18 @@
           <a:lstStyle/>
           <a:p>
             <a:r>
-              <a:rPr lang="en-US" altLang="zh-CN" dirty="0" err="1" smtClean="0"/>
+              <a:rPr lang="en-US" altLang="zh-CN" dirty="0" err="1"/>
               <a:t>MainWindow</a:t>
             </a:r>
             <a:r>
-              <a:rPr lang="en-US" altLang="zh-CN" dirty="0" smtClean="0"/>
+              <a:rPr lang="en-US" altLang="zh-CN" dirty="0"/>
               <a:t> </a:t>
             </a:r>
             <a:r>
-              <a:rPr lang="zh-CN" altLang="en-US" dirty="0" smtClean="0"/>
+              <a:rPr lang="zh-CN" altLang="en-US" dirty="0"/>
               <a:t>原型图</a:t>
             </a:r>
-            <a:endParaRPr lang="en-US" altLang="zh-CN" dirty="0" smtClean="0"/>
+            <a:endParaRPr lang="en-US" altLang="zh-CN" dirty="0"/>
           </a:p>
         </p:txBody>
       </p:sp>
@@ -709,10 +799,9 @@
           <a:lstStyle/>
           <a:p>
             <a:r>
-              <a:rPr lang="zh-CN" altLang="en-US" dirty="0" smtClean="0"/>
+              <a:rPr lang="zh-CN" altLang="en-US" dirty="0"/>
               <a:t>模块依赖关系图</a:t>
             </a:r>
-            <a:endParaRPr lang="zh-CN" altLang="en-US" dirty="0"/>
           </a:p>
         </p:txBody>
       </p:sp>
@@ -794,10 +883,9 @@
           </a:lstStyle>
           <a:p>
             <a:r>
-              <a:rPr lang="zh-CN" altLang="en-US" smtClean="0"/>
+              <a:rPr lang="zh-CN" altLang="en-US"/>
               <a:t>单击此处编辑母版标题样式</a:t>
             </a:r>
-            <a:endParaRPr lang="zh-CN" altLang="en-US"/>
           </a:p>
         </p:txBody>
       </p:sp>
@@ -859,10 +947,9 @@
           </a:lstStyle>
           <a:p>
             <a:r>
-              <a:rPr lang="zh-CN" altLang="en-US" smtClean="0"/>
+              <a:rPr lang="zh-CN" altLang="en-US"/>
               <a:t>单击以编辑母版副标题样式</a:t>
             </a:r>
-            <a:endParaRPr lang="zh-CN" altLang="en-US"/>
           </a:p>
         </p:txBody>
       </p:sp>
@@ -883,7 +970,7 @@
           <a:p>
             <a:fld id="{DD0AB96B-F4EC-42A8-BDF3-AB5694935850}" type="datetimeFigureOut">
               <a:rPr lang="zh-CN" altLang="en-US" smtClean="0"/>
-              <a:t>2019/3/16</a:t>
+              <a:t>2019/5/6</a:t>
             </a:fld>
             <a:endParaRPr lang="zh-CN" altLang="en-US"/>
           </a:p>
@@ -977,10 +1064,9 @@
           <a:lstStyle/>
           <a:p>
             <a:r>
-              <a:rPr lang="zh-CN" altLang="en-US" smtClean="0"/>
+              <a:rPr lang="zh-CN" altLang="en-US"/>
               <a:t>单击此处编辑母版标题样式</a:t>
             </a:r>
-            <a:endParaRPr lang="zh-CN" altLang="en-US"/>
           </a:p>
         </p:txBody>
       </p:sp>
@@ -1001,38 +1087,37 @@
           <a:p>
             <a:pPr lvl="0"/>
             <a:r>
-              <a:rPr lang="zh-CN" altLang="en-US" smtClean="0"/>
+              <a:rPr lang="zh-CN" altLang="en-US"/>
               <a:t>编辑母版文本样式</a:t>
             </a:r>
           </a:p>
           <a:p>
             <a:pPr lvl="1"/>
             <a:r>
-              <a:rPr lang="zh-CN" altLang="en-US" smtClean="0"/>
+              <a:rPr lang="zh-CN" altLang="en-US"/>
               <a:t>第二级</a:t>
             </a:r>
           </a:p>
           <a:p>
             <a:pPr lvl="2"/>
             <a:r>
-              <a:rPr lang="zh-CN" altLang="en-US" smtClean="0"/>
+              <a:rPr lang="zh-CN" altLang="en-US"/>
               <a:t>第三级</a:t>
             </a:r>
           </a:p>
           <a:p>
             <a:pPr lvl="3"/>
             <a:r>
-              <a:rPr lang="zh-CN" altLang="en-US" smtClean="0"/>
+              <a:rPr lang="zh-CN" altLang="en-US"/>
               <a:t>第四级</a:t>
             </a:r>
           </a:p>
           <a:p>
             <a:pPr lvl="4"/>
             <a:r>
-              <a:rPr lang="zh-CN" altLang="en-US" smtClean="0"/>
+              <a:rPr lang="zh-CN" altLang="en-US"/>
               <a:t>第五级</a:t>
             </a:r>
-            <a:endParaRPr lang="zh-CN" altLang="en-US"/>
           </a:p>
         </p:txBody>
       </p:sp>
@@ -1053,7 +1138,7 @@
           <a:p>
             <a:fld id="{DD0AB96B-F4EC-42A8-BDF3-AB5694935850}" type="datetimeFigureOut">
               <a:rPr lang="zh-CN" altLang="en-US" smtClean="0"/>
-              <a:t>2019/3/16</a:t>
+              <a:t>2019/5/6</a:t>
             </a:fld>
             <a:endParaRPr lang="zh-CN" altLang="en-US"/>
           </a:p>
@@ -1152,10 +1237,9 @@
           <a:lstStyle/>
           <a:p>
             <a:r>
-              <a:rPr lang="zh-CN" altLang="en-US" smtClean="0"/>
+              <a:rPr lang="zh-CN" altLang="en-US"/>
               <a:t>单击此处编辑母版标题样式</a:t>
             </a:r>
-            <a:endParaRPr lang="zh-CN" altLang="en-US"/>
           </a:p>
         </p:txBody>
       </p:sp>
@@ -1181,38 +1265,37 @@
           <a:p>
             <a:pPr lvl="0"/>
             <a:r>
-              <a:rPr lang="zh-CN" altLang="en-US" smtClean="0"/>
+              <a:rPr lang="zh-CN" altLang="en-US"/>
               <a:t>编辑母版文本样式</a:t>
             </a:r>
           </a:p>
           <a:p>
             <a:pPr lvl="1"/>
             <a:r>
-              <a:rPr lang="zh-CN" altLang="en-US" smtClean="0"/>
+              <a:rPr lang="zh-CN" altLang="en-US"/>
               <a:t>第二级</a:t>
             </a:r>
           </a:p>
           <a:p>
             <a:pPr lvl="2"/>
             <a:r>
-              <a:rPr lang="zh-CN" altLang="en-US" smtClean="0"/>
+              <a:rPr lang="zh-CN" altLang="en-US"/>
               <a:t>第三级</a:t>
             </a:r>
           </a:p>
           <a:p>
             <a:pPr lvl="3"/>
             <a:r>
-              <a:rPr lang="zh-CN" altLang="en-US" smtClean="0"/>
+              <a:rPr lang="zh-CN" altLang="en-US"/>
               <a:t>第四级</a:t>
             </a:r>
           </a:p>
           <a:p>
             <a:pPr lvl="4"/>
             <a:r>
-              <a:rPr lang="zh-CN" altLang="en-US" smtClean="0"/>
+              <a:rPr lang="zh-CN" altLang="en-US"/>
               <a:t>第五级</a:t>
             </a:r>
-            <a:endParaRPr lang="zh-CN" altLang="en-US"/>
           </a:p>
         </p:txBody>
       </p:sp>
@@ -1233,7 +1316,7 @@
           <a:p>
             <a:fld id="{DD0AB96B-F4EC-42A8-BDF3-AB5694935850}" type="datetimeFigureOut">
               <a:rPr lang="zh-CN" altLang="en-US" smtClean="0"/>
-              <a:t>2019/3/16</a:t>
+              <a:t>2019/5/6</a:t>
             </a:fld>
             <a:endParaRPr lang="zh-CN" altLang="en-US"/>
           </a:p>
@@ -1327,10 +1410,9 @@
           <a:lstStyle/>
           <a:p>
             <a:r>
-              <a:rPr lang="zh-CN" altLang="en-US" smtClean="0"/>
+              <a:rPr lang="zh-CN" altLang="en-US"/>
               <a:t>单击此处编辑母版标题样式</a:t>
             </a:r>
-            <a:endParaRPr lang="zh-CN" altLang="en-US"/>
           </a:p>
         </p:txBody>
       </p:sp>
@@ -1351,38 +1433,37 @@
           <a:p>
             <a:pPr lvl="0"/>
             <a:r>
-              <a:rPr lang="zh-CN" altLang="en-US" smtClean="0"/>
+              <a:rPr lang="zh-CN" altLang="en-US"/>
               <a:t>编辑母版文本样式</a:t>
             </a:r>
           </a:p>
           <a:p>
             <a:pPr lvl="1"/>
             <a:r>
-              <a:rPr lang="zh-CN" altLang="en-US" smtClean="0"/>
+              <a:rPr lang="zh-CN" altLang="en-US"/>
               <a:t>第二级</a:t>
             </a:r>
           </a:p>
           <a:p>
             <a:pPr lvl="2"/>
             <a:r>
-              <a:rPr lang="zh-CN" altLang="en-US" smtClean="0"/>
+              <a:rPr lang="zh-CN" altLang="en-US"/>
               <a:t>第三级</a:t>
             </a:r>
           </a:p>
           <a:p>
             <a:pPr lvl="3"/>
             <a:r>
-              <a:rPr lang="zh-CN" altLang="en-US" smtClean="0"/>
+              <a:rPr lang="zh-CN" altLang="en-US"/>
               <a:t>第四级</a:t>
             </a:r>
           </a:p>
           <a:p>
             <a:pPr lvl="4"/>
             <a:r>
-              <a:rPr lang="zh-CN" altLang="en-US" smtClean="0"/>
+              <a:rPr lang="zh-CN" altLang="en-US"/>
               <a:t>第五级</a:t>
             </a:r>
-            <a:endParaRPr lang="zh-CN" altLang="en-US"/>
           </a:p>
         </p:txBody>
       </p:sp>
@@ -1403,7 +1484,7 @@
           <a:p>
             <a:fld id="{DD0AB96B-F4EC-42A8-BDF3-AB5694935850}" type="datetimeFigureOut">
               <a:rPr lang="zh-CN" altLang="en-US" smtClean="0"/>
-              <a:t>2019/3/16</a:t>
+              <a:t>2019/5/6</a:t>
             </a:fld>
             <a:endParaRPr lang="zh-CN" altLang="en-US"/>
           </a:p>
@@ -1506,10 +1587,9 @@
           </a:lstStyle>
           <a:p>
             <a:r>
-              <a:rPr lang="zh-CN" altLang="en-US" smtClean="0"/>
+              <a:rPr lang="zh-CN" altLang="en-US"/>
               <a:t>单击此处编辑母版标题样式</a:t>
             </a:r>
-            <a:endParaRPr lang="zh-CN" altLang="en-US"/>
           </a:p>
         </p:txBody>
       </p:sp>
@@ -1626,7 +1706,7 @@
           <a:p>
             <a:pPr lvl="0"/>
             <a:r>
-              <a:rPr lang="zh-CN" altLang="en-US" smtClean="0"/>
+              <a:rPr lang="zh-CN" altLang="en-US"/>
               <a:t>编辑母版文本样式</a:t>
             </a:r>
           </a:p>
@@ -1649,7 +1729,7 @@
           <a:p>
             <a:fld id="{DD0AB96B-F4EC-42A8-BDF3-AB5694935850}" type="datetimeFigureOut">
               <a:rPr lang="zh-CN" altLang="en-US" smtClean="0"/>
-              <a:t>2019/3/16</a:t>
+              <a:t>2019/5/6</a:t>
             </a:fld>
             <a:endParaRPr lang="zh-CN" altLang="en-US"/>
           </a:p>
@@ -1743,10 +1823,9 @@
           <a:lstStyle/>
           <a:p>
             <a:r>
-              <a:rPr lang="zh-CN" altLang="en-US" smtClean="0"/>
+              <a:rPr lang="zh-CN" altLang="en-US"/>
               <a:t>单击此处编辑母版标题样式</a:t>
             </a:r>
-            <a:endParaRPr lang="zh-CN" altLang="en-US"/>
           </a:p>
         </p:txBody>
       </p:sp>
@@ -1772,38 +1851,37 @@
           <a:p>
             <a:pPr lvl="0"/>
             <a:r>
-              <a:rPr lang="zh-CN" altLang="en-US" smtClean="0"/>
+              <a:rPr lang="zh-CN" altLang="en-US"/>
               <a:t>编辑母版文本样式</a:t>
             </a:r>
           </a:p>
           <a:p>
             <a:pPr lvl="1"/>
             <a:r>
-              <a:rPr lang="zh-CN" altLang="en-US" smtClean="0"/>
+              <a:rPr lang="zh-CN" altLang="en-US"/>
               <a:t>第二级</a:t>
             </a:r>
           </a:p>
           <a:p>
             <a:pPr lvl="2"/>
             <a:r>
-              <a:rPr lang="zh-CN" altLang="en-US" smtClean="0"/>
+              <a:rPr lang="zh-CN" altLang="en-US"/>
               <a:t>第三级</a:t>
             </a:r>
           </a:p>
           <a:p>
             <a:pPr lvl="3"/>
             <a:r>
-              <a:rPr lang="zh-CN" altLang="en-US" smtClean="0"/>
+              <a:rPr lang="zh-CN" altLang="en-US"/>
               <a:t>第四级</a:t>
             </a:r>
           </a:p>
           <a:p>
             <a:pPr lvl="4"/>
             <a:r>
-              <a:rPr lang="zh-CN" altLang="en-US" smtClean="0"/>
+              <a:rPr lang="zh-CN" altLang="en-US"/>
               <a:t>第五级</a:t>
             </a:r>
-            <a:endParaRPr lang="zh-CN" altLang="en-US"/>
           </a:p>
         </p:txBody>
       </p:sp>
@@ -1829,38 +1907,37 @@
           <a:p>
             <a:pPr lvl="0"/>
             <a:r>
-              <a:rPr lang="zh-CN" altLang="en-US" smtClean="0"/>
+              <a:rPr lang="zh-CN" altLang="en-US"/>
               <a:t>编辑母版文本样式</a:t>
             </a:r>
           </a:p>
           <a:p>
             <a:pPr lvl="1"/>
             <a:r>
-              <a:rPr lang="zh-CN" altLang="en-US" smtClean="0"/>
+              <a:rPr lang="zh-CN" altLang="en-US"/>
               <a:t>第二级</a:t>
             </a:r>
           </a:p>
           <a:p>
             <a:pPr lvl="2"/>
             <a:r>
-              <a:rPr lang="zh-CN" altLang="en-US" smtClean="0"/>
+              <a:rPr lang="zh-CN" altLang="en-US"/>
               <a:t>第三级</a:t>
             </a:r>
           </a:p>
           <a:p>
             <a:pPr lvl="3"/>
             <a:r>
-              <a:rPr lang="zh-CN" altLang="en-US" smtClean="0"/>
+              <a:rPr lang="zh-CN" altLang="en-US"/>
               <a:t>第四级</a:t>
             </a:r>
           </a:p>
           <a:p>
             <a:pPr lvl="4"/>
             <a:r>
-              <a:rPr lang="zh-CN" altLang="en-US" smtClean="0"/>
+              <a:rPr lang="zh-CN" altLang="en-US"/>
               <a:t>第五级</a:t>
             </a:r>
-            <a:endParaRPr lang="zh-CN" altLang="en-US"/>
           </a:p>
         </p:txBody>
       </p:sp>
@@ -1881,7 +1958,7 @@
           <a:p>
             <a:fld id="{DD0AB96B-F4EC-42A8-BDF3-AB5694935850}" type="datetimeFigureOut">
               <a:rPr lang="zh-CN" altLang="en-US" smtClean="0"/>
-              <a:t>2019/3/16</a:t>
+              <a:t>2019/5/6</a:t>
             </a:fld>
             <a:endParaRPr lang="zh-CN" altLang="en-US"/>
           </a:p>
@@ -1980,10 +2057,9 @@
           <a:lstStyle/>
           <a:p>
             <a:r>
-              <a:rPr lang="zh-CN" altLang="en-US" smtClean="0"/>
+              <a:rPr lang="zh-CN" altLang="en-US"/>
               <a:t>单击此处编辑母版标题样式</a:t>
             </a:r>
-            <a:endParaRPr lang="zh-CN" altLang="en-US"/>
           </a:p>
         </p:txBody>
       </p:sp>
@@ -2046,7 +2122,7 @@
           <a:p>
             <a:pPr lvl="0"/>
             <a:r>
-              <a:rPr lang="zh-CN" altLang="en-US" smtClean="0"/>
+              <a:rPr lang="zh-CN" altLang="en-US"/>
               <a:t>编辑母版文本样式</a:t>
             </a:r>
           </a:p>
@@ -2074,38 +2150,37 @@
           <a:p>
             <a:pPr lvl="0"/>
             <a:r>
-              <a:rPr lang="zh-CN" altLang="en-US" smtClean="0"/>
+              <a:rPr lang="zh-CN" altLang="en-US"/>
               <a:t>编辑母版文本样式</a:t>
             </a:r>
           </a:p>
           <a:p>
             <a:pPr lvl="1"/>
             <a:r>
-              <a:rPr lang="zh-CN" altLang="en-US" smtClean="0"/>
+              <a:rPr lang="zh-CN" altLang="en-US"/>
               <a:t>第二级</a:t>
             </a:r>
           </a:p>
           <a:p>
             <a:pPr lvl="2"/>
             <a:r>
-              <a:rPr lang="zh-CN" altLang="en-US" smtClean="0"/>
+              <a:rPr lang="zh-CN" altLang="en-US"/>
               <a:t>第三级</a:t>
             </a:r>
           </a:p>
           <a:p>
             <a:pPr lvl="3"/>
             <a:r>
-              <a:rPr lang="zh-CN" altLang="en-US" smtClean="0"/>
+              <a:rPr lang="zh-CN" altLang="en-US"/>
               <a:t>第四级</a:t>
             </a:r>
           </a:p>
           <a:p>
             <a:pPr lvl="4"/>
             <a:r>
-              <a:rPr lang="zh-CN" altLang="en-US" smtClean="0"/>
+              <a:rPr lang="zh-CN" altLang="en-US"/>
               <a:t>第五级</a:t>
             </a:r>
-            <a:endParaRPr lang="zh-CN" altLang="en-US"/>
           </a:p>
         </p:txBody>
       </p:sp>
@@ -2168,7 +2243,7 @@
           <a:p>
             <a:pPr lvl="0"/>
             <a:r>
-              <a:rPr lang="zh-CN" altLang="en-US" smtClean="0"/>
+              <a:rPr lang="zh-CN" altLang="en-US"/>
               <a:t>编辑母版文本样式</a:t>
             </a:r>
           </a:p>
@@ -2196,38 +2271,37 @@
           <a:p>
             <a:pPr lvl="0"/>
             <a:r>
-              <a:rPr lang="zh-CN" altLang="en-US" smtClean="0"/>
+              <a:rPr lang="zh-CN" altLang="en-US"/>
               <a:t>编辑母版文本样式</a:t>
             </a:r>
           </a:p>
           <a:p>
             <a:pPr lvl="1"/>
             <a:r>
-              <a:rPr lang="zh-CN" altLang="en-US" smtClean="0"/>
+              <a:rPr lang="zh-CN" altLang="en-US"/>
               <a:t>第二级</a:t>
             </a:r>
           </a:p>
           <a:p>
             <a:pPr lvl="2"/>
             <a:r>
-              <a:rPr lang="zh-CN" altLang="en-US" smtClean="0"/>
+              <a:rPr lang="zh-CN" altLang="en-US"/>
               <a:t>第三级</a:t>
             </a:r>
           </a:p>
           <a:p>
             <a:pPr lvl="3"/>
             <a:r>
-              <a:rPr lang="zh-CN" altLang="en-US" smtClean="0"/>
+              <a:rPr lang="zh-CN" altLang="en-US"/>
               <a:t>第四级</a:t>
             </a:r>
           </a:p>
           <a:p>
             <a:pPr lvl="4"/>
             <a:r>
-              <a:rPr lang="zh-CN" altLang="en-US" smtClean="0"/>
+              <a:rPr lang="zh-CN" altLang="en-US"/>
               <a:t>第五级</a:t>
             </a:r>
-            <a:endParaRPr lang="zh-CN" altLang="en-US"/>
           </a:p>
         </p:txBody>
       </p:sp>
@@ -2248,7 +2322,7 @@
           <a:p>
             <a:fld id="{DD0AB96B-F4EC-42A8-BDF3-AB5694935850}" type="datetimeFigureOut">
               <a:rPr lang="zh-CN" altLang="en-US" smtClean="0"/>
-              <a:t>2019/3/16</a:t>
+              <a:t>2019/5/6</a:t>
             </a:fld>
             <a:endParaRPr lang="zh-CN" altLang="en-US"/>
           </a:p>
@@ -2342,10 +2416,9 @@
           <a:lstStyle/>
           <a:p>
             <a:r>
-              <a:rPr lang="zh-CN" altLang="en-US" smtClean="0"/>
+              <a:rPr lang="zh-CN" altLang="en-US"/>
               <a:t>单击此处编辑母版标题样式</a:t>
             </a:r>
-            <a:endParaRPr lang="zh-CN" altLang="en-US"/>
           </a:p>
         </p:txBody>
       </p:sp>
@@ -2366,7 +2439,7 @@
           <a:p>
             <a:fld id="{DD0AB96B-F4EC-42A8-BDF3-AB5694935850}" type="datetimeFigureOut">
               <a:rPr lang="zh-CN" altLang="en-US" smtClean="0"/>
-              <a:t>2019/3/16</a:t>
+              <a:t>2019/5/6</a:t>
             </a:fld>
             <a:endParaRPr lang="zh-CN" altLang="en-US"/>
           </a:p>
@@ -2461,7 +2534,7 @@
           <a:p>
             <a:fld id="{DD0AB96B-F4EC-42A8-BDF3-AB5694935850}" type="datetimeFigureOut">
               <a:rPr lang="zh-CN" altLang="en-US" smtClean="0"/>
-              <a:t>2019/3/16</a:t>
+              <a:t>2019/5/6</a:t>
             </a:fld>
             <a:endParaRPr lang="zh-CN" altLang="en-US"/>
           </a:p>
@@ -2564,10 +2637,9 @@
           </a:lstStyle>
           <a:p>
             <a:r>
-              <a:rPr lang="zh-CN" altLang="en-US" smtClean="0"/>
+              <a:rPr lang="zh-CN" altLang="en-US"/>
               <a:t>单击此处编辑母版标题样式</a:t>
             </a:r>
-            <a:endParaRPr lang="zh-CN" altLang="en-US"/>
           </a:p>
         </p:txBody>
       </p:sp>
@@ -2621,38 +2693,37 @@
           <a:p>
             <a:pPr lvl="0"/>
             <a:r>
-              <a:rPr lang="zh-CN" altLang="en-US" smtClean="0"/>
+              <a:rPr lang="zh-CN" altLang="en-US"/>
               <a:t>编辑母版文本样式</a:t>
             </a:r>
           </a:p>
           <a:p>
             <a:pPr lvl="1"/>
             <a:r>
-              <a:rPr lang="zh-CN" altLang="en-US" smtClean="0"/>
+              <a:rPr lang="zh-CN" altLang="en-US"/>
               <a:t>第二级</a:t>
             </a:r>
           </a:p>
           <a:p>
             <a:pPr lvl="2"/>
             <a:r>
-              <a:rPr lang="zh-CN" altLang="en-US" smtClean="0"/>
+              <a:rPr lang="zh-CN" altLang="en-US"/>
               <a:t>第三级</a:t>
             </a:r>
           </a:p>
           <a:p>
             <a:pPr lvl="3"/>
             <a:r>
-              <a:rPr lang="zh-CN" altLang="en-US" smtClean="0"/>
+              <a:rPr lang="zh-CN" altLang="en-US"/>
               <a:t>第四级</a:t>
             </a:r>
           </a:p>
           <a:p>
             <a:pPr lvl="4"/>
             <a:r>
-              <a:rPr lang="zh-CN" altLang="en-US" smtClean="0"/>
+              <a:rPr lang="zh-CN" altLang="en-US"/>
               <a:t>第五级</a:t>
             </a:r>
-            <a:endParaRPr lang="zh-CN" altLang="en-US"/>
           </a:p>
         </p:txBody>
       </p:sp>
@@ -2715,7 +2786,7 @@
           <a:p>
             <a:pPr lvl="0"/>
             <a:r>
-              <a:rPr lang="zh-CN" altLang="en-US" smtClean="0"/>
+              <a:rPr lang="zh-CN" altLang="en-US"/>
               <a:t>编辑母版文本样式</a:t>
             </a:r>
           </a:p>
@@ -2738,7 +2809,7 @@
           <a:p>
             <a:fld id="{DD0AB96B-F4EC-42A8-BDF3-AB5694935850}" type="datetimeFigureOut">
               <a:rPr lang="zh-CN" altLang="en-US" smtClean="0"/>
-              <a:t>2019/3/16</a:t>
+              <a:t>2019/5/6</a:t>
             </a:fld>
             <a:endParaRPr lang="zh-CN" altLang="en-US"/>
           </a:p>
@@ -2841,10 +2912,9 @@
           </a:lstStyle>
           <a:p>
             <a:r>
-              <a:rPr lang="zh-CN" altLang="en-US" smtClean="0"/>
+              <a:rPr lang="zh-CN" altLang="en-US"/>
               <a:t>单击此处编辑母版标题样式</a:t>
             </a:r>
-            <a:endParaRPr lang="zh-CN" altLang="en-US"/>
           </a:p>
         </p:txBody>
       </p:sp>
@@ -2968,7 +3038,7 @@
           <a:p>
             <a:pPr lvl="0"/>
             <a:r>
-              <a:rPr lang="zh-CN" altLang="en-US" smtClean="0"/>
+              <a:rPr lang="zh-CN" altLang="en-US"/>
               <a:t>编辑母版文本样式</a:t>
             </a:r>
           </a:p>
@@ -2991,7 +3061,7 @@
           <a:p>
             <a:fld id="{DD0AB96B-F4EC-42A8-BDF3-AB5694935850}" type="datetimeFigureOut">
               <a:rPr lang="zh-CN" altLang="en-US" smtClean="0"/>
-              <a:t>2019/3/16</a:t>
+              <a:t>2019/5/6</a:t>
             </a:fld>
             <a:endParaRPr lang="zh-CN" altLang="en-US"/>
           </a:p>
@@ -3100,10 +3170,9 @@
           <a:lstStyle/>
           <a:p>
             <a:r>
-              <a:rPr lang="zh-CN" altLang="en-US" smtClean="0"/>
+              <a:rPr lang="zh-CN" altLang="en-US"/>
               <a:t>单击此处编辑母版标题样式</a:t>
             </a:r>
-            <a:endParaRPr lang="zh-CN" altLang="en-US"/>
           </a:p>
         </p:txBody>
       </p:sp>
@@ -3134,38 +3203,37 @@
           <a:p>
             <a:pPr lvl="0"/>
             <a:r>
-              <a:rPr lang="zh-CN" altLang="en-US" smtClean="0"/>
+              <a:rPr lang="zh-CN" altLang="en-US"/>
               <a:t>编辑母版文本样式</a:t>
             </a:r>
           </a:p>
           <a:p>
             <a:pPr lvl="1"/>
             <a:r>
-              <a:rPr lang="zh-CN" altLang="en-US" smtClean="0"/>
+              <a:rPr lang="zh-CN" altLang="en-US"/>
               <a:t>第二级</a:t>
             </a:r>
           </a:p>
           <a:p>
             <a:pPr lvl="2"/>
             <a:r>
-              <a:rPr lang="zh-CN" altLang="en-US" smtClean="0"/>
+              <a:rPr lang="zh-CN" altLang="en-US"/>
               <a:t>第三级</a:t>
             </a:r>
           </a:p>
           <a:p>
             <a:pPr lvl="3"/>
             <a:r>
-              <a:rPr lang="zh-CN" altLang="en-US" smtClean="0"/>
+              <a:rPr lang="zh-CN" altLang="en-US"/>
               <a:t>第四级</a:t>
             </a:r>
           </a:p>
           <a:p>
             <a:pPr lvl="4"/>
             <a:r>
-              <a:rPr lang="zh-CN" altLang="en-US" smtClean="0"/>
+              <a:rPr lang="zh-CN" altLang="en-US"/>
               <a:t>第五级</a:t>
             </a:r>
-            <a:endParaRPr lang="zh-CN" altLang="en-US"/>
           </a:p>
         </p:txBody>
       </p:sp>
@@ -3204,7 +3272,7 @@
           <a:p>
             <a:fld id="{DD0AB96B-F4EC-42A8-BDF3-AB5694935850}" type="datetimeFigureOut">
               <a:rPr lang="zh-CN" altLang="en-US" smtClean="0"/>
-              <a:t>2019/3/16</a:t>
+              <a:t>2019/5/6</a:t>
             </a:fld>
             <a:endParaRPr lang="zh-CN" altLang="en-US"/>
           </a:p>
@@ -3845,6 +3913,718 @@
 </p:sld>
 </file>
 
+<file path=ppt/slides/slide10.xml><?xml version="1.0" encoding="utf-8"?>
+<p:sld xmlns:a="http://schemas.openxmlformats.org/drawingml/2006/main" xmlns:r="http://schemas.openxmlformats.org/officeDocument/2006/relationships" xmlns:p="http://schemas.openxmlformats.org/presentationml/2006/main">
+  <p:cSld>
+    <p:spTree>
+      <p:nvGrpSpPr>
+        <p:cNvPr id="1" name=""/>
+        <p:cNvGrpSpPr/>
+        <p:nvPr/>
+      </p:nvGrpSpPr>
+      <p:grpSpPr>
+        <a:xfrm>
+          <a:off x="0" y="0"/>
+          <a:ext cx="0" cy="0"/>
+          <a:chOff x="0" y="0"/>
+          <a:chExt cx="0" cy="0"/>
+        </a:xfrm>
+      </p:grpSpPr>
+      <p:sp>
+        <p:nvSpPr>
+          <p:cNvPr id="27" name="矩形 26">
+            <a:extLst>
+              <a:ext uri="{FF2B5EF4-FFF2-40B4-BE49-F238E27FC236}">
+                <a16:creationId xmlns:a16="http://schemas.microsoft.com/office/drawing/2014/main" id="{FD7A95B6-D596-4626-B5E1-6F789B5A35E5}"/>
+              </a:ext>
+            </a:extLst>
+          </p:cNvPr>
+          <p:cNvSpPr/>
+          <p:nvPr/>
+        </p:nvSpPr>
+        <p:spPr>
+          <a:xfrm>
+            <a:off x="6675060" y="1975669"/>
+            <a:ext cx="3638550" cy="55339"/>
+          </a:xfrm>
+          <a:prstGeom prst="rect">
+            <a:avLst/>
+          </a:prstGeom>
+          <a:solidFill>
+            <a:schemeClr val="bg1">
+              <a:lumMod val="75000"/>
+            </a:schemeClr>
+          </a:solidFill>
+          <a:ln w="19050">
+            <a:solidFill>
+              <a:schemeClr val="tx1"/>
+            </a:solidFill>
+          </a:ln>
+        </p:spPr>
+        <p:style>
+          <a:lnRef idx="2">
+            <a:schemeClr val="accent1">
+              <a:shade val="50000"/>
+            </a:schemeClr>
+          </a:lnRef>
+          <a:fillRef idx="1">
+            <a:schemeClr val="accent1"/>
+          </a:fillRef>
+          <a:effectRef idx="0">
+            <a:schemeClr val="accent1"/>
+          </a:effectRef>
+          <a:fontRef idx="minor">
+            <a:schemeClr val="lt1"/>
+          </a:fontRef>
+        </p:style>
+        <p:txBody>
+          <a:bodyPr rtlCol="0" anchor="ctr"/>
+          <a:lstStyle/>
+          <a:p>
+            <a:pPr algn="ctr"/>
+            <a:endParaRPr lang="zh-CN" altLang="en-US"/>
+          </a:p>
+        </p:txBody>
+      </p:sp>
+      <p:sp>
+        <p:nvSpPr>
+          <p:cNvPr id="4" name="椭圆 3">
+            <a:extLst>
+              <a:ext uri="{FF2B5EF4-FFF2-40B4-BE49-F238E27FC236}">
+                <a16:creationId xmlns:a16="http://schemas.microsoft.com/office/drawing/2014/main" id="{64EE0AF0-DF11-457D-B46E-8066A08922A8}"/>
+              </a:ext>
+            </a:extLst>
+          </p:cNvPr>
+          <p:cNvSpPr/>
+          <p:nvPr/>
+        </p:nvSpPr>
+        <p:spPr>
+          <a:xfrm>
+            <a:off x="609600" y="1286933"/>
+            <a:ext cx="3172178" cy="3172178"/>
+          </a:xfrm>
+          <a:prstGeom prst="ellipse">
+            <a:avLst/>
+          </a:prstGeom>
+          <a:noFill/>
+          <a:ln w="28575">
+            <a:solidFill>
+              <a:schemeClr val="tx1"/>
+            </a:solidFill>
+          </a:ln>
+        </p:spPr>
+        <p:style>
+          <a:lnRef idx="2">
+            <a:schemeClr val="accent1">
+              <a:shade val="50000"/>
+            </a:schemeClr>
+          </a:lnRef>
+          <a:fillRef idx="1">
+            <a:schemeClr val="accent1"/>
+          </a:fillRef>
+          <a:effectRef idx="0">
+            <a:schemeClr val="accent1"/>
+          </a:effectRef>
+          <a:fontRef idx="minor">
+            <a:schemeClr val="lt1"/>
+          </a:fontRef>
+        </p:style>
+        <p:txBody>
+          <a:bodyPr rtlCol="0" anchor="ctr"/>
+          <a:lstStyle/>
+          <a:p>
+            <a:pPr algn="ctr"/>
+            <a:endParaRPr lang="zh-CN" altLang="en-US"/>
+          </a:p>
+        </p:txBody>
+      </p:sp>
+      <p:cxnSp>
+        <p:nvCxnSpPr>
+          <p:cNvPr id="6" name="直接箭头连接符 5">
+            <a:extLst>
+              <a:ext uri="{FF2B5EF4-FFF2-40B4-BE49-F238E27FC236}">
+                <a16:creationId xmlns:a16="http://schemas.microsoft.com/office/drawing/2014/main" id="{83DBF580-AB7E-4985-90C8-87242BD39C94}"/>
+              </a:ext>
+            </a:extLst>
+          </p:cNvPr>
+          <p:cNvCxnSpPr>
+            <a:cxnSpLocks/>
+          </p:cNvCxnSpPr>
+          <p:nvPr/>
+        </p:nvCxnSpPr>
+        <p:spPr>
+          <a:xfrm flipH="1">
+            <a:off x="4262965" y="1580443"/>
+            <a:ext cx="1969912" cy="0"/>
+          </a:xfrm>
+          <a:prstGeom prst="straightConnector1">
+            <a:avLst/>
+          </a:prstGeom>
+          <a:ln w="57150">
+            <a:solidFill>
+              <a:schemeClr val="accent4">
+                <a:lumMod val="75000"/>
+              </a:schemeClr>
+            </a:solidFill>
+            <a:tailEnd type="triangle"/>
+          </a:ln>
+        </p:spPr>
+        <p:style>
+          <a:lnRef idx="1">
+            <a:schemeClr val="accent1"/>
+          </a:lnRef>
+          <a:fillRef idx="0">
+            <a:schemeClr val="accent1"/>
+          </a:fillRef>
+          <a:effectRef idx="0">
+            <a:schemeClr val="accent1"/>
+          </a:effectRef>
+          <a:fontRef idx="minor">
+            <a:schemeClr val="tx1"/>
+          </a:fontRef>
+        </p:style>
+      </p:cxnSp>
+      <p:cxnSp>
+        <p:nvCxnSpPr>
+          <p:cNvPr id="8" name="直接箭头连接符 7">
+            <a:extLst>
+              <a:ext uri="{FF2B5EF4-FFF2-40B4-BE49-F238E27FC236}">
+                <a16:creationId xmlns:a16="http://schemas.microsoft.com/office/drawing/2014/main" id="{16929ABE-FBA5-4F30-8023-DD088EC75637}"/>
+              </a:ext>
+            </a:extLst>
+          </p:cNvPr>
+          <p:cNvCxnSpPr>
+            <a:cxnSpLocks/>
+          </p:cNvCxnSpPr>
+          <p:nvPr/>
+        </p:nvCxnSpPr>
+        <p:spPr>
+          <a:xfrm flipH="1">
+            <a:off x="4262965" y="3085627"/>
+            <a:ext cx="1969912" cy="0"/>
+          </a:xfrm>
+          <a:prstGeom prst="straightConnector1">
+            <a:avLst/>
+          </a:prstGeom>
+          <a:ln w="57150">
+            <a:solidFill>
+              <a:schemeClr val="accent4">
+                <a:lumMod val="75000"/>
+              </a:schemeClr>
+            </a:solidFill>
+            <a:tailEnd type="triangle"/>
+          </a:ln>
+        </p:spPr>
+        <p:style>
+          <a:lnRef idx="1">
+            <a:schemeClr val="accent1"/>
+          </a:lnRef>
+          <a:fillRef idx="0">
+            <a:schemeClr val="accent1"/>
+          </a:fillRef>
+          <a:effectRef idx="0">
+            <a:schemeClr val="accent1"/>
+          </a:effectRef>
+          <a:fontRef idx="minor">
+            <a:schemeClr val="tx1"/>
+          </a:fontRef>
+        </p:style>
+      </p:cxnSp>
+      <p:cxnSp>
+        <p:nvCxnSpPr>
+          <p:cNvPr id="9" name="直接箭头连接符 8">
+            <a:extLst>
+              <a:ext uri="{FF2B5EF4-FFF2-40B4-BE49-F238E27FC236}">
+                <a16:creationId xmlns:a16="http://schemas.microsoft.com/office/drawing/2014/main" id="{36304232-BA70-403E-A362-E59B486F46C1}"/>
+              </a:ext>
+            </a:extLst>
+          </p:cNvPr>
+          <p:cNvCxnSpPr>
+            <a:cxnSpLocks/>
+          </p:cNvCxnSpPr>
+          <p:nvPr/>
+        </p:nvCxnSpPr>
+        <p:spPr>
+          <a:xfrm flipH="1">
+            <a:off x="4262965" y="3838220"/>
+            <a:ext cx="1969912" cy="0"/>
+          </a:xfrm>
+          <a:prstGeom prst="straightConnector1">
+            <a:avLst/>
+          </a:prstGeom>
+          <a:ln w="57150">
+            <a:solidFill>
+              <a:schemeClr val="accent4">
+                <a:lumMod val="75000"/>
+              </a:schemeClr>
+            </a:solidFill>
+            <a:tailEnd type="triangle"/>
+          </a:ln>
+        </p:spPr>
+        <p:style>
+          <a:lnRef idx="1">
+            <a:schemeClr val="accent1"/>
+          </a:lnRef>
+          <a:fillRef idx="0">
+            <a:schemeClr val="accent1"/>
+          </a:fillRef>
+          <a:effectRef idx="0">
+            <a:schemeClr val="accent1"/>
+          </a:effectRef>
+          <a:fontRef idx="minor">
+            <a:schemeClr val="tx1"/>
+          </a:fontRef>
+        </p:style>
+      </p:cxnSp>
+      <p:cxnSp>
+        <p:nvCxnSpPr>
+          <p:cNvPr id="10" name="直接箭头连接符 9">
+            <a:extLst>
+              <a:ext uri="{FF2B5EF4-FFF2-40B4-BE49-F238E27FC236}">
+                <a16:creationId xmlns:a16="http://schemas.microsoft.com/office/drawing/2014/main" id="{F76CB2F3-2B68-4775-B522-304FC52332B1}"/>
+              </a:ext>
+            </a:extLst>
+          </p:cNvPr>
+          <p:cNvCxnSpPr>
+            <a:cxnSpLocks/>
+          </p:cNvCxnSpPr>
+          <p:nvPr/>
+        </p:nvCxnSpPr>
+        <p:spPr>
+          <a:xfrm flipH="1">
+            <a:off x="4262965" y="2333035"/>
+            <a:ext cx="1969912" cy="0"/>
+          </a:xfrm>
+          <a:prstGeom prst="straightConnector1">
+            <a:avLst/>
+          </a:prstGeom>
+          <a:ln w="57150">
+            <a:solidFill>
+              <a:schemeClr val="accent4">
+                <a:lumMod val="75000"/>
+              </a:schemeClr>
+            </a:solidFill>
+            <a:tailEnd type="triangle"/>
+          </a:ln>
+        </p:spPr>
+        <p:style>
+          <a:lnRef idx="1">
+            <a:schemeClr val="accent1"/>
+          </a:lnRef>
+          <a:fillRef idx="0">
+            <a:schemeClr val="accent1"/>
+          </a:fillRef>
+          <a:effectRef idx="0">
+            <a:schemeClr val="accent1"/>
+          </a:effectRef>
+          <a:fontRef idx="minor">
+            <a:schemeClr val="tx1"/>
+          </a:fontRef>
+        </p:style>
+      </p:cxnSp>
+      <p:cxnSp>
+        <p:nvCxnSpPr>
+          <p:cNvPr id="14" name="直接连接符 13">
+            <a:extLst>
+              <a:ext uri="{FF2B5EF4-FFF2-40B4-BE49-F238E27FC236}">
+                <a16:creationId xmlns:a16="http://schemas.microsoft.com/office/drawing/2014/main" id="{2F8130BB-B1DC-47D0-B355-411EF0C8718B}"/>
+              </a:ext>
+            </a:extLst>
+          </p:cNvPr>
+          <p:cNvCxnSpPr>
+            <a:cxnSpLocks/>
+            <a:endCxn id="4" idx="6"/>
+          </p:cNvCxnSpPr>
+          <p:nvPr/>
+        </p:nvCxnSpPr>
+        <p:spPr>
+          <a:xfrm>
+            <a:off x="2198322" y="2873022"/>
+            <a:ext cx="1583456" cy="0"/>
+          </a:xfrm>
+          <a:prstGeom prst="line">
+            <a:avLst/>
+          </a:prstGeom>
+          <a:ln w="19050">
+            <a:solidFill>
+              <a:schemeClr val="tx1"/>
+            </a:solidFill>
+          </a:ln>
+        </p:spPr>
+        <p:style>
+          <a:lnRef idx="1">
+            <a:schemeClr val="accent1"/>
+          </a:lnRef>
+          <a:fillRef idx="0">
+            <a:schemeClr val="accent1"/>
+          </a:fillRef>
+          <a:effectRef idx="0">
+            <a:schemeClr val="accent1"/>
+          </a:effectRef>
+          <a:fontRef idx="minor">
+            <a:schemeClr val="tx1"/>
+          </a:fontRef>
+        </p:style>
+      </p:cxnSp>
+      <p:cxnSp>
+        <p:nvCxnSpPr>
+          <p:cNvPr id="16" name="直接连接符 15">
+            <a:extLst>
+              <a:ext uri="{FF2B5EF4-FFF2-40B4-BE49-F238E27FC236}">
+                <a16:creationId xmlns:a16="http://schemas.microsoft.com/office/drawing/2014/main" id="{D9E97983-DE9F-4BD6-85ED-033456FCF413}"/>
+              </a:ext>
+            </a:extLst>
+          </p:cNvPr>
+          <p:cNvCxnSpPr>
+            <a:cxnSpLocks/>
+            <a:stCxn id="12" idx="7"/>
+            <a:endCxn id="11" idx="3"/>
+          </p:cNvCxnSpPr>
+          <p:nvPr/>
+        </p:nvCxnSpPr>
+        <p:spPr>
+          <a:xfrm flipV="1">
+            <a:off x="2249234" y="2168150"/>
+            <a:ext cx="1297999" cy="654532"/>
+          </a:xfrm>
+          <a:prstGeom prst="line">
+            <a:avLst/>
+          </a:prstGeom>
+          <a:ln w="19050">
+            <a:solidFill>
+              <a:schemeClr val="tx1"/>
+            </a:solidFill>
+          </a:ln>
+        </p:spPr>
+        <p:style>
+          <a:lnRef idx="1">
+            <a:schemeClr val="accent1"/>
+          </a:lnRef>
+          <a:fillRef idx="0">
+            <a:schemeClr val="accent1"/>
+          </a:fillRef>
+          <a:effectRef idx="0">
+            <a:schemeClr val="accent1"/>
+          </a:effectRef>
+          <a:fontRef idx="minor">
+            <a:schemeClr val="tx1"/>
+          </a:fontRef>
+        </p:style>
+      </p:cxnSp>
+      <p:sp>
+        <p:nvSpPr>
+          <p:cNvPr id="12" name="椭圆 11">
+            <a:extLst>
+              <a:ext uri="{FF2B5EF4-FFF2-40B4-BE49-F238E27FC236}">
+                <a16:creationId xmlns:a16="http://schemas.microsoft.com/office/drawing/2014/main" id="{B57228E6-D408-4BCA-99B1-0B4AE27DD28F}"/>
+              </a:ext>
+            </a:extLst>
+          </p:cNvPr>
+          <p:cNvSpPr/>
+          <p:nvPr/>
+        </p:nvSpPr>
+        <p:spPr>
+          <a:xfrm>
+            <a:off x="2126322" y="2801594"/>
+            <a:ext cx="144000" cy="144000"/>
+          </a:xfrm>
+          <a:prstGeom prst="ellipse">
+            <a:avLst/>
+          </a:prstGeom>
+          <a:solidFill>
+            <a:schemeClr val="bg1">
+              <a:lumMod val="95000"/>
+            </a:schemeClr>
+          </a:solidFill>
+          <a:ln w="25400">
+            <a:solidFill>
+              <a:srgbClr val="FF0000"/>
+            </a:solidFill>
+          </a:ln>
+          <a:effectLst>
+            <a:outerShdw blurRad="50800" dist="38100" dir="2700000" algn="tl" rotWithShape="0">
+              <a:schemeClr val="tx1">
+                <a:alpha val="80000"/>
+              </a:schemeClr>
+            </a:outerShdw>
+          </a:effectLst>
+        </p:spPr>
+        <p:style>
+          <a:lnRef idx="2">
+            <a:schemeClr val="accent1">
+              <a:shade val="50000"/>
+            </a:schemeClr>
+          </a:lnRef>
+          <a:fillRef idx="1">
+            <a:schemeClr val="accent1"/>
+          </a:fillRef>
+          <a:effectRef idx="0">
+            <a:schemeClr val="accent1"/>
+          </a:effectRef>
+          <a:fontRef idx="minor">
+            <a:schemeClr val="lt1"/>
+          </a:fontRef>
+        </p:style>
+        <p:txBody>
+          <a:bodyPr rtlCol="0" anchor="ctr"/>
+          <a:lstStyle/>
+          <a:p>
+            <a:pPr algn="ctr"/>
+            <a:endParaRPr lang="zh-CN" altLang="en-US"/>
+          </a:p>
+        </p:txBody>
+      </p:sp>
+      <p:sp>
+        <p:nvSpPr>
+          <p:cNvPr id="11" name="椭圆 10">
+            <a:extLst>
+              <a:ext uri="{FF2B5EF4-FFF2-40B4-BE49-F238E27FC236}">
+                <a16:creationId xmlns:a16="http://schemas.microsoft.com/office/drawing/2014/main" id="{A19D30D9-82B7-4AED-8CA5-91F3ED10D609}"/>
+              </a:ext>
+            </a:extLst>
+          </p:cNvPr>
+          <p:cNvSpPr/>
+          <p:nvPr/>
+        </p:nvSpPr>
+        <p:spPr>
+          <a:xfrm>
+            <a:off x="3526145" y="2045238"/>
+            <a:ext cx="144000" cy="144000"/>
+          </a:xfrm>
+          <a:prstGeom prst="ellipse">
+            <a:avLst/>
+          </a:prstGeom>
+          <a:solidFill>
+            <a:schemeClr val="bg1">
+              <a:lumMod val="95000"/>
+            </a:schemeClr>
+          </a:solidFill>
+          <a:ln w="25400">
+            <a:solidFill>
+              <a:srgbClr val="FF0000"/>
+            </a:solidFill>
+          </a:ln>
+          <a:effectLst>
+            <a:outerShdw blurRad="50800" dist="38100" dir="2700000" algn="tl" rotWithShape="0">
+              <a:schemeClr val="tx1">
+                <a:alpha val="80000"/>
+              </a:schemeClr>
+            </a:outerShdw>
+          </a:effectLst>
+        </p:spPr>
+        <p:style>
+          <a:lnRef idx="2">
+            <a:schemeClr val="accent1">
+              <a:shade val="50000"/>
+            </a:schemeClr>
+          </a:lnRef>
+          <a:fillRef idx="1">
+            <a:schemeClr val="accent1"/>
+          </a:fillRef>
+          <a:effectRef idx="0">
+            <a:schemeClr val="accent1"/>
+          </a:effectRef>
+          <a:fontRef idx="minor">
+            <a:schemeClr val="lt1"/>
+          </a:fontRef>
+        </p:style>
+        <p:txBody>
+          <a:bodyPr rtlCol="0" anchor="ctr"/>
+          <a:lstStyle/>
+          <a:p>
+            <a:pPr algn="ctr"/>
+            <a:endParaRPr lang="zh-CN" altLang="en-US"/>
+          </a:p>
+        </p:txBody>
+      </p:sp>
+      <p:sp>
+        <p:nvSpPr>
+          <p:cNvPr id="20" name="矩形 19">
+            <a:extLst>
+              <a:ext uri="{FF2B5EF4-FFF2-40B4-BE49-F238E27FC236}">
+                <a16:creationId xmlns:a16="http://schemas.microsoft.com/office/drawing/2014/main" id="{A1CE344A-8BF7-4D37-B9C9-1E97A3AE951D}"/>
+              </a:ext>
+            </a:extLst>
+          </p:cNvPr>
+          <p:cNvSpPr/>
+          <p:nvPr/>
+        </p:nvSpPr>
+        <p:spPr>
+          <a:xfrm>
+            <a:off x="2195689" y="931106"/>
+            <a:ext cx="8420100" cy="3883831"/>
+          </a:xfrm>
+          <a:prstGeom prst="rect">
+            <a:avLst/>
+          </a:prstGeom>
+          <a:noFill/>
+          <a:ln w="12700"/>
+        </p:spPr>
+        <p:style>
+          <a:lnRef idx="2">
+            <a:schemeClr val="accent1">
+              <a:shade val="50000"/>
+            </a:schemeClr>
+          </a:lnRef>
+          <a:fillRef idx="1">
+            <a:schemeClr val="accent1"/>
+          </a:fillRef>
+          <a:effectRef idx="0">
+            <a:schemeClr val="accent1"/>
+          </a:effectRef>
+          <a:fontRef idx="minor">
+            <a:schemeClr val="lt1"/>
+          </a:fontRef>
+        </p:style>
+        <p:txBody>
+          <a:bodyPr rtlCol="0" anchor="ctr"/>
+          <a:lstStyle/>
+          <a:p>
+            <a:pPr algn="ctr"/>
+            <a:endParaRPr lang="zh-CN" altLang="en-US"/>
+          </a:p>
+        </p:txBody>
+      </p:sp>
+      <p:sp>
+        <p:nvSpPr>
+          <p:cNvPr id="25" name="箭头: 五边形 24">
+            <a:extLst>
+              <a:ext uri="{FF2B5EF4-FFF2-40B4-BE49-F238E27FC236}">
+                <a16:creationId xmlns:a16="http://schemas.microsoft.com/office/drawing/2014/main" id="{4AA774F1-9D66-4590-BB9A-C6D24AD0C420}"/>
+              </a:ext>
+            </a:extLst>
+          </p:cNvPr>
+          <p:cNvSpPr/>
+          <p:nvPr/>
+        </p:nvSpPr>
+        <p:spPr>
+          <a:xfrm rot="5400000">
+            <a:off x="7802599" y="1757920"/>
+            <a:ext cx="300909" cy="245267"/>
+          </a:xfrm>
+          <a:prstGeom prst="homePlate">
+            <a:avLst/>
+          </a:prstGeom>
+          <a:solidFill>
+            <a:schemeClr val="bg1">
+              <a:lumMod val="85000"/>
+            </a:schemeClr>
+          </a:solidFill>
+          <a:ln>
+            <a:solidFill>
+              <a:schemeClr val="tx1"/>
+            </a:solidFill>
+          </a:ln>
+        </p:spPr>
+        <p:style>
+          <a:lnRef idx="2">
+            <a:schemeClr val="accent1">
+              <a:shade val="50000"/>
+            </a:schemeClr>
+          </a:lnRef>
+          <a:fillRef idx="1">
+            <a:schemeClr val="accent1"/>
+          </a:fillRef>
+          <a:effectRef idx="0">
+            <a:schemeClr val="accent1"/>
+          </a:effectRef>
+          <a:fontRef idx="minor">
+            <a:schemeClr val="lt1"/>
+          </a:fontRef>
+        </p:style>
+        <p:txBody>
+          <a:bodyPr rtlCol="0" anchor="ctr"/>
+          <a:lstStyle/>
+          <a:p>
+            <a:pPr algn="ctr"/>
+            <a:endParaRPr lang="zh-CN" altLang="en-US"/>
+          </a:p>
+        </p:txBody>
+      </p:sp>
+      <p:sp>
+        <p:nvSpPr>
+          <p:cNvPr id="26" name="文本框 25">
+            <a:extLst>
+              <a:ext uri="{FF2B5EF4-FFF2-40B4-BE49-F238E27FC236}">
+                <a16:creationId xmlns:a16="http://schemas.microsoft.com/office/drawing/2014/main" id="{E683EF30-1DD9-4D72-A0B7-9D454B1C4E64}"/>
+              </a:ext>
+            </a:extLst>
+          </p:cNvPr>
+          <p:cNvSpPr txBox="1"/>
+          <p:nvPr/>
+        </p:nvSpPr>
+        <p:spPr>
+          <a:xfrm>
+            <a:off x="6598672" y="1286933"/>
+            <a:ext cx="1569660" cy="369332"/>
+          </a:xfrm>
+          <a:prstGeom prst="rect">
+            <a:avLst/>
+          </a:prstGeom>
+          <a:noFill/>
+        </p:spPr>
+        <p:txBody>
+          <a:bodyPr wrap="none" rtlCol="0">
+            <a:spAutoFit/>
+          </a:bodyPr>
+          <a:lstStyle/>
+          <a:p>
+            <a:r>
+              <a:rPr lang="zh-CN" altLang="en-US" dirty="0"/>
+              <a:t>水平面夹角：</a:t>
+            </a:r>
+          </a:p>
+        </p:txBody>
+      </p:sp>
+      <p:sp>
+        <p:nvSpPr>
+          <p:cNvPr id="28" name="文本框 27">
+            <a:extLst>
+              <a:ext uri="{FF2B5EF4-FFF2-40B4-BE49-F238E27FC236}">
+                <a16:creationId xmlns:a16="http://schemas.microsoft.com/office/drawing/2014/main" id="{CFCCEEF3-260A-4018-888F-454B7FC4FD7F}"/>
+              </a:ext>
+            </a:extLst>
+          </p:cNvPr>
+          <p:cNvSpPr txBox="1"/>
+          <p:nvPr/>
+        </p:nvSpPr>
+        <p:spPr>
+          <a:xfrm>
+            <a:off x="6751598" y="2276578"/>
+            <a:ext cx="631904" cy="369332"/>
+          </a:xfrm>
+          <a:prstGeom prst="rect">
+            <a:avLst/>
+          </a:prstGeom>
+          <a:noFill/>
+        </p:spPr>
+        <p:txBody>
+          <a:bodyPr wrap="none" rtlCol="0">
+            <a:spAutoFit/>
+          </a:bodyPr>
+          <a:lstStyle/>
+          <a:p>
+            <a:r>
+              <a:rPr lang="en-US" altLang="zh-CN" dirty="0"/>
+              <a:t>-30°</a:t>
+            </a:r>
+            <a:endParaRPr lang="zh-CN" altLang="en-US" dirty="0"/>
+          </a:p>
+        </p:txBody>
+      </p:sp>
+    </p:spTree>
+    <p:extLst>
+      <p:ext uri="{BB962C8B-B14F-4D97-AF65-F5344CB8AC3E}">
+        <p14:creationId xmlns:p14="http://schemas.microsoft.com/office/powerpoint/2010/main" val="536687742"/>
+      </p:ext>
+    </p:extLst>
+  </p:cSld>
+  <p:clrMapOvr>
+    <a:masterClrMapping/>
+  </p:clrMapOvr>
+</p:sld>
+</file>
+
 <file path=ppt/slides/slide2.xml><?xml version="1.0" encoding="utf-8"?>
 <p:sld xmlns:a="http://schemas.openxmlformats.org/drawingml/2006/main" xmlns:r="http://schemas.openxmlformats.org/officeDocument/2006/relationships" xmlns:p="http://schemas.openxmlformats.org/presentationml/2006/main">
   <p:cSld>
@@ -3953,14 +4733,14 @@
           <a:p>
             <a:pPr algn="ctr"/>
             <a:r>
-              <a:rPr lang="zh-CN" altLang="en-US" dirty="0" smtClean="0">
+              <a:rPr lang="zh-CN" altLang="en-US" dirty="0">
                 <a:solidFill>
                   <a:schemeClr val="tx1"/>
                 </a:solidFill>
               </a:rPr>
               <a:t>列表</a:t>
             </a:r>
-            <a:endParaRPr lang="en-US" altLang="zh-CN" dirty="0" smtClean="0">
+            <a:endParaRPr lang="en-US" altLang="zh-CN" dirty="0">
               <a:solidFill>
                 <a:schemeClr val="tx1"/>
               </a:solidFill>
@@ -3969,7 +4749,7 @@
           <a:p>
             <a:pPr algn="ctr"/>
             <a:r>
-              <a:rPr lang="zh-CN" altLang="en-US" dirty="0" smtClean="0">
+              <a:rPr lang="zh-CN" altLang="en-US" dirty="0">
                 <a:solidFill>
                   <a:schemeClr val="tx1"/>
                 </a:solidFill>
@@ -3977,7 +4757,7 @@
               <a:t>列出所有</a:t>
             </a:r>
             <a:r>
-              <a:rPr lang="en-US" altLang="zh-CN" dirty="0" err="1" smtClean="0">
+              <a:rPr lang="en-US" altLang="zh-CN" dirty="0" err="1">
                 <a:solidFill>
                   <a:schemeClr val="tx1"/>
                 </a:solidFill>
@@ -3985,18 +4765,13 @@
               <a:t>Creater</a:t>
             </a:r>
             <a:r>
-              <a:rPr lang="zh-CN" altLang="en-US" dirty="0" smtClean="0">
+              <a:rPr lang="zh-CN" altLang="en-US" dirty="0">
                 <a:solidFill>
                   <a:schemeClr val="tx1"/>
                 </a:solidFill>
               </a:rPr>
               <a:t>类型</a:t>
             </a:r>
-            <a:endParaRPr lang="zh-CN" altLang="en-US" dirty="0">
-              <a:solidFill>
-                <a:schemeClr val="tx1"/>
-              </a:solidFill>
-            </a:endParaRPr>
           </a:p>
         </p:txBody>
       </p:sp>
@@ -4043,7 +4818,7 @@
           <a:p>
             <a:pPr algn="ctr"/>
             <a:r>
-              <a:rPr lang="zh-CN" altLang="en-US" dirty="0" smtClean="0">
+              <a:rPr lang="zh-CN" altLang="en-US" dirty="0">
                 <a:solidFill>
                   <a:schemeClr val="tx1"/>
                 </a:solidFill>
@@ -4051,7 +4826,7 @@
               <a:t>当前类型下的所有</a:t>
             </a:r>
             <a:r>
-              <a:rPr lang="en-US" altLang="zh-CN" dirty="0" err="1" smtClean="0">
+              <a:rPr lang="en-US" altLang="zh-CN" dirty="0" err="1">
                 <a:solidFill>
                   <a:schemeClr val="tx1"/>
                 </a:solidFill>
@@ -4059,18 +4834,13 @@
               <a:t>Creater</a:t>
             </a:r>
             <a:r>
-              <a:rPr lang="zh-CN" altLang="en-US" dirty="0" smtClean="0">
+              <a:rPr lang="zh-CN" altLang="en-US" dirty="0">
                 <a:solidFill>
                   <a:schemeClr val="tx1"/>
                 </a:solidFill>
               </a:rPr>
               <a:t>列表</a:t>
             </a:r>
-            <a:endParaRPr lang="zh-CN" altLang="en-US" dirty="0">
-              <a:solidFill>
-                <a:schemeClr val="tx1"/>
-              </a:solidFill>
-            </a:endParaRPr>
           </a:p>
         </p:txBody>
       </p:sp>
@@ -4117,18 +4887,13 @@
           <a:p>
             <a:pPr algn="ctr"/>
             <a:r>
-              <a:rPr lang="zh-CN" altLang="en-US" dirty="0" smtClean="0">
+              <a:rPr lang="zh-CN" altLang="en-US" dirty="0">
                 <a:solidFill>
                   <a:schemeClr val="tx1"/>
                 </a:solidFill>
               </a:rPr>
               <a:t>工程、工作相关设置</a:t>
             </a:r>
-            <a:endParaRPr lang="zh-CN" altLang="en-US" dirty="0">
-              <a:solidFill>
-                <a:schemeClr val="tx1"/>
-              </a:solidFill>
-            </a:endParaRPr>
           </a:p>
         </p:txBody>
       </p:sp>
@@ -4175,18 +4940,13 @@
           <a:p>
             <a:pPr algn="ctr"/>
             <a:r>
-              <a:rPr lang="zh-CN" altLang="en-US" dirty="0" smtClean="0">
+              <a:rPr lang="zh-CN" altLang="en-US" dirty="0">
                 <a:solidFill>
                   <a:schemeClr val="tx1"/>
                 </a:solidFill>
               </a:rPr>
               <a:t>取消</a:t>
             </a:r>
-            <a:endParaRPr lang="zh-CN" altLang="en-US" dirty="0">
-              <a:solidFill>
-                <a:schemeClr val="tx1"/>
-              </a:solidFill>
-            </a:endParaRPr>
           </a:p>
         </p:txBody>
       </p:sp>
@@ -4233,18 +4993,13 @@
           <a:p>
             <a:pPr algn="ctr"/>
             <a:r>
-              <a:rPr lang="zh-CN" altLang="en-US" dirty="0" smtClean="0">
+              <a:rPr lang="zh-CN" altLang="en-US" dirty="0">
                 <a:solidFill>
                   <a:schemeClr val="tx1"/>
                 </a:solidFill>
               </a:rPr>
               <a:t>确定</a:t>
             </a:r>
-            <a:endParaRPr lang="zh-CN" altLang="en-US" dirty="0">
-              <a:solidFill>
-                <a:schemeClr val="tx1"/>
-              </a:solidFill>
-            </a:endParaRPr>
           </a:p>
         </p:txBody>
       </p:sp>
@@ -4371,7 +5126,7 @@
           <a:p>
             <a:pPr algn="ctr"/>
             <a:r>
-              <a:rPr lang="en-US" altLang="zh-CN" sz="2400" dirty="0" smtClean="0">
+              <a:rPr lang="en-US" altLang="zh-CN" sz="2400" dirty="0">
                 <a:solidFill>
                   <a:schemeClr val="tx1"/>
                 </a:solidFill>
@@ -4431,18 +5186,13 @@
           <a:p>
             <a:pPr algn="ctr"/>
             <a:r>
-              <a:rPr lang="zh-CN" altLang="en-US" sz="2400" dirty="0" smtClean="0">
+              <a:rPr lang="zh-CN" altLang="en-US" sz="2400" dirty="0">
                 <a:solidFill>
                   <a:schemeClr val="tx1"/>
                 </a:solidFill>
               </a:rPr>
               <a:t>工程树</a:t>
             </a:r>
-            <a:endParaRPr lang="zh-CN" altLang="en-US" sz="2400" dirty="0">
-              <a:solidFill>
-                <a:schemeClr val="tx1"/>
-              </a:solidFill>
-            </a:endParaRPr>
           </a:p>
         </p:txBody>
       </p:sp>
@@ -4491,18 +5241,13 @@
           <a:p>
             <a:pPr algn="ctr"/>
             <a:r>
-              <a:rPr lang="zh-CN" altLang="en-US" sz="2400" dirty="0" smtClean="0">
+              <a:rPr lang="zh-CN" altLang="en-US" sz="2400" dirty="0">
                 <a:solidFill>
                   <a:schemeClr val="tx1"/>
                 </a:solidFill>
               </a:rPr>
               <a:t>状态栏</a:t>
             </a:r>
-            <a:endParaRPr lang="zh-CN" altLang="en-US" sz="2400" dirty="0">
-              <a:solidFill>
-                <a:schemeClr val="tx1"/>
-              </a:solidFill>
-            </a:endParaRPr>
           </a:p>
         </p:txBody>
       </p:sp>
@@ -4551,14 +5296,14 @@
           <a:p>
             <a:pPr algn="ctr"/>
             <a:r>
-              <a:rPr lang="zh-CN" altLang="en-US" sz="2400" b="1" dirty="0" smtClean="0">
+              <a:rPr lang="zh-CN" altLang="en-US" sz="2400" b="1" dirty="0">
                 <a:solidFill>
                   <a:schemeClr val="tx1"/>
                 </a:solidFill>
               </a:rPr>
               <a:t>功能面板</a:t>
             </a:r>
-            <a:endParaRPr lang="en-US" altLang="zh-CN" sz="2400" b="1" dirty="0" smtClean="0">
+            <a:endParaRPr lang="en-US" altLang="zh-CN" sz="2400" b="1" dirty="0">
               <a:solidFill>
                 <a:schemeClr val="tx1"/>
               </a:solidFill>
@@ -4566,7 +5311,7 @@
           </a:p>
           <a:p>
             <a:pPr algn="ctr"/>
-            <a:endParaRPr lang="en-US" altLang="zh-CN" sz="2400" dirty="0" smtClean="0">
+            <a:endParaRPr lang="en-US" altLang="zh-CN" sz="2400" dirty="0">
               <a:solidFill>
                 <a:schemeClr val="tx1"/>
               </a:solidFill>
@@ -4575,14 +5320,14 @@
           <a:p>
             <a:pPr algn="ctr"/>
             <a:r>
-              <a:rPr lang="zh-CN" altLang="en-US" sz="2400" dirty="0" smtClean="0">
+              <a:rPr lang="zh-CN" altLang="en-US" sz="2400" dirty="0">
                 <a:solidFill>
                   <a:schemeClr val="tx1"/>
                 </a:solidFill>
               </a:rPr>
               <a:t>图片资源预览</a:t>
             </a:r>
-            <a:endParaRPr lang="en-US" altLang="zh-CN" sz="2400" dirty="0" smtClean="0">
+            <a:endParaRPr lang="en-US" altLang="zh-CN" sz="2400" dirty="0">
               <a:solidFill>
                 <a:schemeClr val="tx1"/>
               </a:solidFill>
@@ -4591,7 +5336,7 @@
           <a:p>
             <a:pPr algn="ctr"/>
             <a:r>
-              <a:rPr lang="en-US" altLang="zh-CN" sz="2400" dirty="0" smtClean="0">
+              <a:rPr lang="en-US" altLang="zh-CN" sz="2400" dirty="0">
                 <a:solidFill>
                   <a:schemeClr val="tx1"/>
                 </a:solidFill>
@@ -4599,14 +5344,14 @@
               <a:t>3D</a:t>
             </a:r>
             <a:r>
-              <a:rPr lang="zh-CN" altLang="en-US" sz="2400" dirty="0" smtClean="0">
+              <a:rPr lang="zh-CN" altLang="en-US" sz="2400" dirty="0">
                 <a:solidFill>
                   <a:schemeClr val="tx1"/>
                 </a:solidFill>
               </a:rPr>
               <a:t>模型预览</a:t>
             </a:r>
-            <a:endParaRPr lang="en-US" altLang="zh-CN" sz="2400" dirty="0" smtClean="0">
+            <a:endParaRPr lang="en-US" altLang="zh-CN" sz="2400" dirty="0">
               <a:solidFill>
                 <a:schemeClr val="tx1"/>
               </a:solidFill>
@@ -4615,18 +5360,13 @@
           <a:p>
             <a:pPr algn="ctr"/>
             <a:r>
-              <a:rPr lang="zh-CN" altLang="en-US" sz="2400" dirty="0" smtClean="0">
+              <a:rPr lang="zh-CN" altLang="en-US" sz="2400" dirty="0">
                 <a:solidFill>
                   <a:schemeClr val="tx1"/>
                 </a:solidFill>
               </a:rPr>
               <a:t>设置面板</a:t>
             </a:r>
-            <a:endParaRPr lang="zh-CN" altLang="en-US" sz="2400" dirty="0">
-              <a:solidFill>
-                <a:schemeClr val="tx1"/>
-              </a:solidFill>
-            </a:endParaRPr>
           </a:p>
         </p:txBody>
       </p:sp>
@@ -4753,7 +5493,7 @@
           <a:p>
             <a:pPr algn="ctr"/>
             <a:r>
-              <a:rPr lang="en-US" altLang="zh-CN" dirty="0" err="1" smtClean="0">
+              <a:rPr lang="en-US" altLang="zh-CN" dirty="0" err="1">
                 <a:solidFill>
                   <a:sysClr val="windowText" lastClr="000000"/>
                 </a:solidFill>
@@ -4813,7 +5553,7 @@
           <a:p>
             <a:pPr algn="ctr"/>
             <a:r>
-              <a:rPr lang="en-US" altLang="zh-CN" dirty="0" err="1" smtClean="0">
+              <a:rPr lang="en-US" altLang="zh-CN" dirty="0" err="1">
                 <a:solidFill>
                   <a:sysClr val="windowText" lastClr="000000"/>
                 </a:solidFill>
@@ -4933,7 +5673,7 @@
           <a:p>
             <a:pPr algn="ctr"/>
             <a:r>
-              <a:rPr lang="en-US" altLang="zh-CN" dirty="0" err="1" smtClean="0">
+              <a:rPr lang="en-US" altLang="zh-CN" dirty="0" err="1">
                 <a:solidFill>
                   <a:sysClr val="windowText" lastClr="000000"/>
                 </a:solidFill>
@@ -5137,7 +5877,7 @@
           <a:p>
             <a:pPr algn="ctr"/>
             <a:r>
-              <a:rPr lang="en-US" altLang="zh-CN" dirty="0" err="1" smtClean="0">
+              <a:rPr lang="en-US" altLang="zh-CN" dirty="0" err="1">
                 <a:solidFill>
                   <a:sysClr val="windowText" lastClr="000000"/>
                 </a:solidFill>
@@ -5156,6 +5896,2643 @@
     <p:extLst>
       <p:ext uri="{BB962C8B-B14F-4D97-AF65-F5344CB8AC3E}">
         <p14:creationId xmlns:p14="http://schemas.microsoft.com/office/powerpoint/2010/main" val="1208781180"/>
+      </p:ext>
+    </p:extLst>
+  </p:cSld>
+  <p:clrMapOvr>
+    <a:masterClrMapping/>
+  </p:clrMapOvr>
+</p:sld>
+</file>
+
+<file path=ppt/slides/slide5.xml><?xml version="1.0" encoding="utf-8"?>
+<p:sld xmlns:a="http://schemas.openxmlformats.org/drawingml/2006/main" xmlns:r="http://schemas.openxmlformats.org/officeDocument/2006/relationships" xmlns:p="http://schemas.openxmlformats.org/presentationml/2006/main">
+  <p:cSld>
+    <p:spTree>
+      <p:nvGrpSpPr>
+        <p:cNvPr id="1" name=""/>
+        <p:cNvGrpSpPr/>
+        <p:nvPr/>
+      </p:nvGrpSpPr>
+      <p:grpSpPr>
+        <a:xfrm>
+          <a:off x="0" y="0"/>
+          <a:ext cx="0" cy="0"/>
+          <a:chOff x="0" y="0"/>
+          <a:chExt cx="0" cy="0"/>
+        </a:xfrm>
+      </p:grpSpPr>
+      <p:sp>
+        <p:nvSpPr>
+          <p:cNvPr id="4" name="矩形 3">
+            <a:extLst>
+              <a:ext uri="{FF2B5EF4-FFF2-40B4-BE49-F238E27FC236}">
+                <a16:creationId xmlns:a16="http://schemas.microsoft.com/office/drawing/2014/main" id="{3DE06F64-C86B-4B3C-92F0-9FB7CED6D1ED}"/>
+              </a:ext>
+            </a:extLst>
+          </p:cNvPr>
+          <p:cNvSpPr/>
+          <p:nvPr/>
+        </p:nvSpPr>
+        <p:spPr>
+          <a:xfrm>
+            <a:off x="1611086" y="1219200"/>
+            <a:ext cx="6066971" cy="4746171"/>
+          </a:xfrm>
+          <a:prstGeom prst="rect">
+            <a:avLst/>
+          </a:prstGeom>
+          <a:noFill/>
+          <a:ln>
+            <a:solidFill>
+              <a:schemeClr val="tx1"/>
+            </a:solidFill>
+          </a:ln>
+        </p:spPr>
+        <p:style>
+          <a:lnRef idx="2">
+            <a:schemeClr val="accent1">
+              <a:shade val="50000"/>
+            </a:schemeClr>
+          </a:lnRef>
+          <a:fillRef idx="1">
+            <a:schemeClr val="accent1"/>
+          </a:fillRef>
+          <a:effectRef idx="0">
+            <a:schemeClr val="accent1"/>
+          </a:effectRef>
+          <a:fontRef idx="minor">
+            <a:schemeClr val="lt1"/>
+          </a:fontRef>
+        </p:style>
+        <p:txBody>
+          <a:bodyPr rtlCol="0" anchor="ctr"/>
+          <a:lstStyle/>
+          <a:p>
+            <a:pPr algn="ctr"/>
+            <a:endParaRPr lang="zh-CN" altLang="en-US"/>
+          </a:p>
+        </p:txBody>
+      </p:sp>
+      <p:sp>
+        <p:nvSpPr>
+          <p:cNvPr id="5" name="文本框 4">
+            <a:extLst>
+              <a:ext uri="{FF2B5EF4-FFF2-40B4-BE49-F238E27FC236}">
+                <a16:creationId xmlns:a16="http://schemas.microsoft.com/office/drawing/2014/main" id="{85623AE2-90E6-4F2E-A56F-39A0ABB3E159}"/>
+              </a:ext>
+            </a:extLst>
+          </p:cNvPr>
+          <p:cNvSpPr txBox="1"/>
+          <p:nvPr/>
+        </p:nvSpPr>
+        <p:spPr>
+          <a:xfrm>
+            <a:off x="1800556" y="1682430"/>
+            <a:ext cx="2081019" cy="369332"/>
+          </a:xfrm>
+          <a:prstGeom prst="rect">
+            <a:avLst/>
+          </a:prstGeom>
+          <a:noFill/>
+        </p:spPr>
+        <p:txBody>
+          <a:bodyPr wrap="none" rtlCol="0">
+            <a:spAutoFit/>
+          </a:bodyPr>
+          <a:lstStyle/>
+          <a:p>
+            <a:r>
+              <a:rPr lang="en-US" altLang="zh-CN" dirty="0" err="1"/>
+              <a:t>CreaterProgramSet</a:t>
+            </a:r>
+            <a:endParaRPr lang="zh-CN" altLang="en-US" dirty="0"/>
+          </a:p>
+        </p:txBody>
+      </p:sp>
+      <p:sp>
+        <p:nvSpPr>
+          <p:cNvPr id="6" name="文本框 5">
+            <a:extLst>
+              <a:ext uri="{FF2B5EF4-FFF2-40B4-BE49-F238E27FC236}">
+                <a16:creationId xmlns:a16="http://schemas.microsoft.com/office/drawing/2014/main" id="{DA662674-1ADD-47C2-89B3-2022BB37AFB7}"/>
+              </a:ext>
+            </a:extLst>
+          </p:cNvPr>
+          <p:cNvSpPr txBox="1"/>
+          <p:nvPr/>
+        </p:nvSpPr>
+        <p:spPr>
+          <a:xfrm>
+            <a:off x="1800556" y="1313098"/>
+            <a:ext cx="1507144" cy="369332"/>
+          </a:xfrm>
+          <a:prstGeom prst="rect">
+            <a:avLst/>
+          </a:prstGeom>
+          <a:noFill/>
+        </p:spPr>
+        <p:txBody>
+          <a:bodyPr wrap="none" rtlCol="0">
+            <a:spAutoFit/>
+          </a:bodyPr>
+          <a:lstStyle/>
+          <a:p>
+            <a:r>
+              <a:rPr lang="en-US" altLang="zh-CN" dirty="0" err="1"/>
+              <a:t>CreaterName</a:t>
+            </a:r>
+            <a:endParaRPr lang="zh-CN" altLang="en-US" dirty="0"/>
+          </a:p>
+        </p:txBody>
+      </p:sp>
+      <p:sp>
+        <p:nvSpPr>
+          <p:cNvPr id="7" name="文本框 6">
+            <a:extLst>
+              <a:ext uri="{FF2B5EF4-FFF2-40B4-BE49-F238E27FC236}">
+                <a16:creationId xmlns:a16="http://schemas.microsoft.com/office/drawing/2014/main" id="{7F87D17B-1D16-4398-9FFA-A35BA3090C99}"/>
+              </a:ext>
+            </a:extLst>
+          </p:cNvPr>
+          <p:cNvSpPr txBox="1"/>
+          <p:nvPr/>
+        </p:nvSpPr>
+        <p:spPr>
+          <a:xfrm>
+            <a:off x="1800556" y="2051762"/>
+            <a:ext cx="1377300" cy="369332"/>
+          </a:xfrm>
+          <a:prstGeom prst="rect">
+            <a:avLst/>
+          </a:prstGeom>
+          <a:noFill/>
+        </p:spPr>
+        <p:txBody>
+          <a:bodyPr wrap="none" rtlCol="0">
+            <a:spAutoFit/>
+          </a:bodyPr>
+          <a:lstStyle/>
+          <a:p>
+            <a:r>
+              <a:rPr lang="en-US" altLang="zh-CN" dirty="0" err="1"/>
+              <a:t>CreaterGuid</a:t>
+            </a:r>
+            <a:endParaRPr lang="zh-CN" altLang="en-US" dirty="0"/>
+          </a:p>
+        </p:txBody>
+      </p:sp>
+      <p:sp>
+        <p:nvSpPr>
+          <p:cNvPr id="8" name="矩形 7">
+            <a:extLst>
+              <a:ext uri="{FF2B5EF4-FFF2-40B4-BE49-F238E27FC236}">
+                <a16:creationId xmlns:a16="http://schemas.microsoft.com/office/drawing/2014/main" id="{9C17B8B6-3CB6-4F88-8EE1-90B8E7BA0E9B}"/>
+              </a:ext>
+            </a:extLst>
+          </p:cNvPr>
+          <p:cNvSpPr/>
+          <p:nvPr/>
+        </p:nvSpPr>
+        <p:spPr>
+          <a:xfrm>
+            <a:off x="2123621" y="2540000"/>
+            <a:ext cx="5041900" cy="369332"/>
+          </a:xfrm>
+          <a:prstGeom prst="rect">
+            <a:avLst/>
+          </a:prstGeom>
+          <a:noFill/>
+          <a:ln>
+            <a:solidFill>
+              <a:schemeClr val="tx1"/>
+            </a:solidFill>
+          </a:ln>
+        </p:spPr>
+        <p:style>
+          <a:lnRef idx="2">
+            <a:schemeClr val="accent1">
+              <a:shade val="50000"/>
+            </a:schemeClr>
+          </a:lnRef>
+          <a:fillRef idx="1">
+            <a:schemeClr val="accent1"/>
+          </a:fillRef>
+          <a:effectRef idx="0">
+            <a:schemeClr val="accent1"/>
+          </a:effectRef>
+          <a:fontRef idx="minor">
+            <a:schemeClr val="lt1"/>
+          </a:fontRef>
+        </p:style>
+        <p:txBody>
+          <a:bodyPr rtlCol="0" anchor="ctr"/>
+          <a:lstStyle/>
+          <a:p>
+            <a:pPr algn="ctr"/>
+            <a:r>
+              <a:rPr lang="zh-CN" altLang="en-US" dirty="0">
+                <a:solidFill>
+                  <a:schemeClr val="tx1"/>
+                </a:solidFill>
+              </a:rPr>
+              <a:t>获取地形</a:t>
+            </a:r>
+          </a:p>
+        </p:txBody>
+      </p:sp>
+      <p:sp>
+        <p:nvSpPr>
+          <p:cNvPr id="9" name="矩形 8">
+            <a:extLst>
+              <a:ext uri="{FF2B5EF4-FFF2-40B4-BE49-F238E27FC236}">
+                <a16:creationId xmlns:a16="http://schemas.microsoft.com/office/drawing/2014/main" id="{6A0C00BA-B274-40CB-8D5D-422CD90AE198}"/>
+              </a:ext>
+            </a:extLst>
+          </p:cNvPr>
+          <p:cNvSpPr/>
+          <p:nvPr/>
+        </p:nvSpPr>
+        <p:spPr>
+          <a:xfrm>
+            <a:off x="1831520" y="3060112"/>
+            <a:ext cx="5636079" cy="2705687"/>
+          </a:xfrm>
+          <a:prstGeom prst="rect">
+            <a:avLst/>
+          </a:prstGeom>
+          <a:noFill/>
+          <a:ln>
+            <a:solidFill>
+              <a:schemeClr val="tx1"/>
+            </a:solidFill>
+          </a:ln>
+        </p:spPr>
+        <p:style>
+          <a:lnRef idx="2">
+            <a:schemeClr val="accent1">
+              <a:shade val="50000"/>
+            </a:schemeClr>
+          </a:lnRef>
+          <a:fillRef idx="1">
+            <a:schemeClr val="accent1"/>
+          </a:fillRef>
+          <a:effectRef idx="0">
+            <a:schemeClr val="accent1"/>
+          </a:effectRef>
+          <a:fontRef idx="minor">
+            <a:schemeClr val="lt1"/>
+          </a:fontRef>
+        </p:style>
+        <p:txBody>
+          <a:bodyPr rtlCol="0" anchor="ctr"/>
+          <a:lstStyle/>
+          <a:p>
+            <a:pPr algn="ctr"/>
+            <a:r>
+              <a:rPr lang="en-US" altLang="zh-CN" dirty="0">
+                <a:solidFill>
+                  <a:schemeClr val="tx1"/>
+                </a:solidFill>
+              </a:rPr>
+              <a:t>Configuration Panel</a:t>
+            </a:r>
+            <a:endParaRPr lang="zh-CN" altLang="en-US" dirty="0">
+              <a:solidFill>
+                <a:schemeClr val="tx1"/>
+              </a:solidFill>
+            </a:endParaRPr>
+          </a:p>
+        </p:txBody>
+      </p:sp>
+    </p:spTree>
+    <p:extLst>
+      <p:ext uri="{BB962C8B-B14F-4D97-AF65-F5344CB8AC3E}">
+        <p14:creationId xmlns:p14="http://schemas.microsoft.com/office/powerpoint/2010/main" val="1028046425"/>
+      </p:ext>
+    </p:extLst>
+  </p:cSld>
+  <p:clrMapOvr>
+    <a:masterClrMapping/>
+  </p:clrMapOvr>
+</p:sld>
+</file>
+
+<file path=ppt/slides/slide6.xml><?xml version="1.0" encoding="utf-8"?>
+<p:sld xmlns:a="http://schemas.openxmlformats.org/drawingml/2006/main" xmlns:r="http://schemas.openxmlformats.org/officeDocument/2006/relationships" xmlns:p="http://schemas.openxmlformats.org/presentationml/2006/main">
+  <p:cSld>
+    <p:spTree>
+      <p:nvGrpSpPr>
+        <p:cNvPr id="1" name=""/>
+        <p:cNvGrpSpPr/>
+        <p:nvPr/>
+      </p:nvGrpSpPr>
+      <p:grpSpPr>
+        <a:xfrm>
+          <a:off x="0" y="0"/>
+          <a:ext cx="0" cy="0"/>
+          <a:chOff x="0" y="0"/>
+          <a:chExt cx="0" cy="0"/>
+        </a:xfrm>
+      </p:grpSpPr>
+      <p:sp>
+        <p:nvSpPr>
+          <p:cNvPr id="4" name="矩形 3">
+            <a:extLst>
+              <a:ext uri="{FF2B5EF4-FFF2-40B4-BE49-F238E27FC236}">
+                <a16:creationId xmlns:a16="http://schemas.microsoft.com/office/drawing/2014/main" id="{74E5C58D-E8B5-4642-9DA1-DAE2FE0D0ACC}"/>
+              </a:ext>
+            </a:extLst>
+          </p:cNvPr>
+          <p:cNvSpPr/>
+          <p:nvPr/>
+        </p:nvSpPr>
+        <p:spPr>
+          <a:xfrm>
+            <a:off x="1270000" y="1295400"/>
+            <a:ext cx="7683500" cy="4267200"/>
+          </a:xfrm>
+          <a:prstGeom prst="rect">
+            <a:avLst/>
+          </a:prstGeom>
+          <a:noFill/>
+          <a:ln>
+            <a:solidFill>
+              <a:schemeClr val="tx1"/>
+            </a:solidFill>
+          </a:ln>
+        </p:spPr>
+        <p:style>
+          <a:lnRef idx="2">
+            <a:schemeClr val="accent1">
+              <a:shade val="50000"/>
+            </a:schemeClr>
+          </a:lnRef>
+          <a:fillRef idx="1">
+            <a:schemeClr val="accent1"/>
+          </a:fillRef>
+          <a:effectRef idx="0">
+            <a:schemeClr val="accent1"/>
+          </a:effectRef>
+          <a:fontRef idx="minor">
+            <a:schemeClr val="lt1"/>
+          </a:fontRef>
+        </p:style>
+        <p:txBody>
+          <a:bodyPr rtlCol="0" anchor="ctr"/>
+          <a:lstStyle/>
+          <a:p>
+            <a:pPr algn="ctr"/>
+            <a:endParaRPr lang="zh-CN" altLang="en-US" sz="2000">
+              <a:latin typeface="思源黑体" panose="020B0500000000000000" pitchFamily="34" charset="-122"/>
+              <a:ea typeface="思源黑体" panose="020B0500000000000000" pitchFamily="34" charset="-122"/>
+            </a:endParaRPr>
+          </a:p>
+        </p:txBody>
+      </p:sp>
+      <p:sp>
+        <p:nvSpPr>
+          <p:cNvPr id="5" name="椭圆 4">
+            <a:extLst>
+              <a:ext uri="{FF2B5EF4-FFF2-40B4-BE49-F238E27FC236}">
+                <a16:creationId xmlns:a16="http://schemas.microsoft.com/office/drawing/2014/main" id="{6AB5EB26-A857-4482-9400-25A894406F59}"/>
+              </a:ext>
+            </a:extLst>
+          </p:cNvPr>
+          <p:cNvSpPr/>
+          <p:nvPr/>
+        </p:nvSpPr>
+        <p:spPr>
+          <a:xfrm>
+            <a:off x="1739900" y="2832100"/>
+            <a:ext cx="1397000" cy="1397000"/>
+          </a:xfrm>
+          <a:prstGeom prst="ellipse">
+            <a:avLst/>
+          </a:prstGeom>
+        </p:spPr>
+        <p:style>
+          <a:lnRef idx="2">
+            <a:schemeClr val="accent6">
+              <a:shade val="50000"/>
+            </a:schemeClr>
+          </a:lnRef>
+          <a:fillRef idx="1">
+            <a:schemeClr val="accent6"/>
+          </a:fillRef>
+          <a:effectRef idx="0">
+            <a:schemeClr val="accent6"/>
+          </a:effectRef>
+          <a:fontRef idx="minor">
+            <a:schemeClr val="lt1"/>
+          </a:fontRef>
+        </p:style>
+        <p:txBody>
+          <a:bodyPr rtlCol="0" anchor="ctr"/>
+          <a:lstStyle/>
+          <a:p>
+            <a:pPr algn="ctr"/>
+            <a:r>
+              <a:rPr lang="zh-CN" altLang="en-US" sz="2000" dirty="0">
+                <a:latin typeface="思源黑体" panose="020B0500000000000000" pitchFamily="34" charset="-122"/>
+                <a:ea typeface="思源黑体" panose="020B0500000000000000" pitchFamily="34" charset="-122"/>
+              </a:rPr>
+              <a:t>已完成</a:t>
+            </a:r>
+          </a:p>
+        </p:txBody>
+      </p:sp>
+      <p:sp>
+        <p:nvSpPr>
+          <p:cNvPr id="6" name="椭圆 5">
+            <a:extLst>
+              <a:ext uri="{FF2B5EF4-FFF2-40B4-BE49-F238E27FC236}">
+                <a16:creationId xmlns:a16="http://schemas.microsoft.com/office/drawing/2014/main" id="{58515505-53C9-4F52-B263-7AFA8F645EE6}"/>
+              </a:ext>
+            </a:extLst>
+          </p:cNvPr>
+          <p:cNvSpPr/>
+          <p:nvPr/>
+        </p:nvSpPr>
+        <p:spPr>
+          <a:xfrm>
+            <a:off x="3549650" y="2832100"/>
+            <a:ext cx="1397000" cy="1397000"/>
+          </a:xfrm>
+          <a:prstGeom prst="ellipse">
+            <a:avLst/>
+          </a:prstGeom>
+        </p:spPr>
+        <p:style>
+          <a:lnRef idx="2">
+            <a:schemeClr val="accent4">
+              <a:shade val="50000"/>
+            </a:schemeClr>
+          </a:lnRef>
+          <a:fillRef idx="1">
+            <a:schemeClr val="accent4"/>
+          </a:fillRef>
+          <a:effectRef idx="0">
+            <a:schemeClr val="accent4"/>
+          </a:effectRef>
+          <a:fontRef idx="minor">
+            <a:schemeClr val="lt1"/>
+          </a:fontRef>
+        </p:style>
+        <p:txBody>
+          <a:bodyPr rtlCol="0" anchor="ctr"/>
+          <a:lstStyle/>
+          <a:p>
+            <a:pPr algn="ctr"/>
+            <a:r>
+              <a:rPr lang="zh-CN" altLang="en-US" sz="2000" dirty="0">
+                <a:latin typeface="思源黑体" panose="020B0500000000000000" pitchFamily="34" charset="-122"/>
+                <a:ea typeface="思源黑体" panose="020B0500000000000000" pitchFamily="34" charset="-122"/>
+              </a:rPr>
+              <a:t>已过期</a:t>
+            </a:r>
+          </a:p>
+        </p:txBody>
+      </p:sp>
+      <p:sp>
+        <p:nvSpPr>
+          <p:cNvPr id="7" name="椭圆 6">
+            <a:extLst>
+              <a:ext uri="{FF2B5EF4-FFF2-40B4-BE49-F238E27FC236}">
+                <a16:creationId xmlns:a16="http://schemas.microsoft.com/office/drawing/2014/main" id="{41BB5BFD-0F74-4369-8AD2-7377F3209FB3}"/>
+              </a:ext>
+            </a:extLst>
+          </p:cNvPr>
+          <p:cNvSpPr/>
+          <p:nvPr/>
+        </p:nvSpPr>
+        <p:spPr>
+          <a:xfrm>
+            <a:off x="5359400" y="2832100"/>
+            <a:ext cx="1397000" cy="1397000"/>
+          </a:xfrm>
+          <a:prstGeom prst="ellipse">
+            <a:avLst/>
+          </a:prstGeom>
+        </p:spPr>
+        <p:style>
+          <a:lnRef idx="2">
+            <a:schemeClr val="accent1">
+              <a:shade val="50000"/>
+            </a:schemeClr>
+          </a:lnRef>
+          <a:fillRef idx="1">
+            <a:schemeClr val="accent1"/>
+          </a:fillRef>
+          <a:effectRef idx="0">
+            <a:schemeClr val="accent1"/>
+          </a:effectRef>
+          <a:fontRef idx="minor">
+            <a:schemeClr val="lt1"/>
+          </a:fontRef>
+        </p:style>
+        <p:txBody>
+          <a:bodyPr rtlCol="0" anchor="ctr"/>
+          <a:lstStyle/>
+          <a:p>
+            <a:pPr algn="ctr"/>
+            <a:r>
+              <a:rPr lang="zh-CN" altLang="en-US" sz="2000" dirty="0">
+                <a:latin typeface="思源黑体" panose="020B0500000000000000" pitchFamily="34" charset="-122"/>
+                <a:ea typeface="思源黑体" panose="020B0500000000000000" pitchFamily="34" charset="-122"/>
+              </a:rPr>
+              <a:t>待开始</a:t>
+            </a:r>
+          </a:p>
+        </p:txBody>
+      </p:sp>
+      <p:sp>
+        <p:nvSpPr>
+          <p:cNvPr id="8" name="椭圆 7">
+            <a:extLst>
+              <a:ext uri="{FF2B5EF4-FFF2-40B4-BE49-F238E27FC236}">
+                <a16:creationId xmlns:a16="http://schemas.microsoft.com/office/drawing/2014/main" id="{A79FDEEC-EBA7-4D3D-8184-03672DEF5FE8}"/>
+              </a:ext>
+            </a:extLst>
+          </p:cNvPr>
+          <p:cNvSpPr/>
+          <p:nvPr/>
+        </p:nvSpPr>
+        <p:spPr>
+          <a:xfrm>
+            <a:off x="7169150" y="2844800"/>
+            <a:ext cx="1397000" cy="1397000"/>
+          </a:xfrm>
+          <a:prstGeom prst="ellipse">
+            <a:avLst/>
+          </a:prstGeom>
+        </p:spPr>
+        <p:style>
+          <a:lnRef idx="2">
+            <a:schemeClr val="accent2">
+              <a:shade val="50000"/>
+            </a:schemeClr>
+          </a:lnRef>
+          <a:fillRef idx="1">
+            <a:schemeClr val="accent2"/>
+          </a:fillRef>
+          <a:effectRef idx="0">
+            <a:schemeClr val="accent2"/>
+          </a:effectRef>
+          <a:fontRef idx="minor">
+            <a:schemeClr val="lt1"/>
+          </a:fontRef>
+        </p:style>
+        <p:txBody>
+          <a:bodyPr rtlCol="0" anchor="ctr"/>
+          <a:lstStyle/>
+          <a:p>
+            <a:pPr algn="ctr"/>
+            <a:r>
+              <a:rPr lang="zh-CN" altLang="en-US" sz="2000" dirty="0">
+                <a:latin typeface="思源黑体" panose="020B0500000000000000" pitchFamily="34" charset="-122"/>
+                <a:ea typeface="思源黑体" panose="020B0500000000000000" pitchFamily="34" charset="-122"/>
+              </a:rPr>
+              <a:t>条件不足</a:t>
+            </a:r>
+          </a:p>
+        </p:txBody>
+      </p:sp>
+      <p:sp>
+        <p:nvSpPr>
+          <p:cNvPr id="9" name="文本框 8">
+            <a:extLst>
+              <a:ext uri="{FF2B5EF4-FFF2-40B4-BE49-F238E27FC236}">
+                <a16:creationId xmlns:a16="http://schemas.microsoft.com/office/drawing/2014/main" id="{F090CBAC-CDEB-403C-9BB9-4C7DC73B4856}"/>
+              </a:ext>
+            </a:extLst>
+          </p:cNvPr>
+          <p:cNvSpPr txBox="1"/>
+          <p:nvPr/>
+        </p:nvSpPr>
+        <p:spPr>
+          <a:xfrm>
+            <a:off x="1739900" y="2112832"/>
+            <a:ext cx="1702069" cy="707886"/>
+          </a:xfrm>
+          <a:prstGeom prst="rect">
+            <a:avLst/>
+          </a:prstGeom>
+          <a:noFill/>
+        </p:spPr>
+        <p:txBody>
+          <a:bodyPr wrap="none" rtlCol="0">
+            <a:spAutoFit/>
+          </a:bodyPr>
+          <a:lstStyle/>
+          <a:p>
+            <a:r>
+              <a:rPr lang="en-US" altLang="zh-CN" sz="2000" dirty="0">
+                <a:latin typeface="思源黑体" panose="020B0500000000000000" pitchFamily="34" charset="-122"/>
+                <a:ea typeface="思源黑体" panose="020B0500000000000000" pitchFamily="34" charset="-122"/>
+              </a:rPr>
+              <a:t>Atmospheric</a:t>
+            </a:r>
+          </a:p>
+          <a:p>
+            <a:r>
+              <a:rPr lang="en-US" altLang="zh-CN" sz="2000" dirty="0">
+                <a:latin typeface="思源黑体" panose="020B0500000000000000" pitchFamily="34" charset="-122"/>
+                <a:ea typeface="思源黑体" panose="020B0500000000000000" pitchFamily="34" charset="-122"/>
+              </a:rPr>
+              <a:t>Motion</a:t>
+            </a:r>
+            <a:endParaRPr lang="zh-CN" altLang="en-US" sz="2000" dirty="0">
+              <a:latin typeface="思源黑体" panose="020B0500000000000000" pitchFamily="34" charset="-122"/>
+              <a:ea typeface="思源黑体" panose="020B0500000000000000" pitchFamily="34" charset="-122"/>
+            </a:endParaRPr>
+          </a:p>
+        </p:txBody>
+      </p:sp>
+      <p:sp>
+        <p:nvSpPr>
+          <p:cNvPr id="10" name="文本框 9">
+            <a:extLst>
+              <a:ext uri="{FF2B5EF4-FFF2-40B4-BE49-F238E27FC236}">
+                <a16:creationId xmlns:a16="http://schemas.microsoft.com/office/drawing/2014/main" id="{8F1CD749-A3EB-4CF7-A616-04D8AAB9F3E1}"/>
+              </a:ext>
+            </a:extLst>
+          </p:cNvPr>
+          <p:cNvSpPr txBox="1"/>
+          <p:nvPr/>
+        </p:nvSpPr>
+        <p:spPr>
+          <a:xfrm>
+            <a:off x="3599621" y="2112833"/>
+            <a:ext cx="1088503" cy="707886"/>
+          </a:xfrm>
+          <a:prstGeom prst="rect">
+            <a:avLst/>
+          </a:prstGeom>
+          <a:noFill/>
+        </p:spPr>
+        <p:txBody>
+          <a:bodyPr wrap="none" rtlCol="0">
+            <a:spAutoFit/>
+          </a:bodyPr>
+          <a:lstStyle/>
+          <a:p>
+            <a:r>
+              <a:rPr lang="en-US" altLang="zh-CN" sz="2000" dirty="0">
+                <a:latin typeface="思源黑体" panose="020B0500000000000000" pitchFamily="34" charset="-122"/>
+                <a:ea typeface="思源黑体" panose="020B0500000000000000" pitchFamily="34" charset="-122"/>
+              </a:rPr>
+              <a:t>Rainfall</a:t>
+            </a:r>
+          </a:p>
+          <a:p>
+            <a:r>
+              <a:rPr lang="en-US" altLang="zh-CN" sz="2000" dirty="0">
+                <a:latin typeface="思源黑体" panose="020B0500000000000000" pitchFamily="34" charset="-122"/>
+                <a:ea typeface="思源黑体" panose="020B0500000000000000" pitchFamily="34" charset="-122"/>
+              </a:rPr>
+              <a:t>Motion</a:t>
+            </a:r>
+            <a:endParaRPr lang="zh-CN" altLang="en-US" sz="2000" dirty="0">
+              <a:latin typeface="思源黑体" panose="020B0500000000000000" pitchFamily="34" charset="-122"/>
+              <a:ea typeface="思源黑体" panose="020B0500000000000000" pitchFamily="34" charset="-122"/>
+            </a:endParaRPr>
+          </a:p>
+        </p:txBody>
+      </p:sp>
+      <p:sp>
+        <p:nvSpPr>
+          <p:cNvPr id="11" name="文本框 10">
+            <a:extLst>
+              <a:ext uri="{FF2B5EF4-FFF2-40B4-BE49-F238E27FC236}">
+                <a16:creationId xmlns:a16="http://schemas.microsoft.com/office/drawing/2014/main" id="{D358AD95-E5D7-4685-B24F-67E9F95E3799}"/>
+              </a:ext>
+            </a:extLst>
+          </p:cNvPr>
+          <p:cNvSpPr txBox="1"/>
+          <p:nvPr/>
+        </p:nvSpPr>
+        <p:spPr>
+          <a:xfrm>
+            <a:off x="5358232" y="2112831"/>
+            <a:ext cx="1595565" cy="707886"/>
+          </a:xfrm>
+          <a:prstGeom prst="rect">
+            <a:avLst/>
+          </a:prstGeom>
+          <a:noFill/>
+        </p:spPr>
+        <p:txBody>
+          <a:bodyPr wrap="none" rtlCol="0">
+            <a:spAutoFit/>
+          </a:bodyPr>
+          <a:lstStyle/>
+          <a:p>
+            <a:r>
+              <a:rPr lang="en-US" altLang="zh-CN" sz="2000" dirty="0">
+                <a:latin typeface="思源黑体" panose="020B0500000000000000" pitchFamily="34" charset="-122"/>
+                <a:ea typeface="思源黑体" panose="020B0500000000000000" pitchFamily="34" charset="-122"/>
+              </a:rPr>
+              <a:t>Solar</a:t>
+            </a:r>
+          </a:p>
+          <a:p>
+            <a:r>
+              <a:rPr lang="en-US" altLang="zh-CN" sz="2000" dirty="0">
+                <a:latin typeface="思源黑体" panose="020B0500000000000000" pitchFamily="34" charset="-122"/>
+                <a:ea typeface="思源黑体" panose="020B0500000000000000" pitchFamily="34" charset="-122"/>
+              </a:rPr>
+              <a:t>Illuminance</a:t>
+            </a:r>
+            <a:endParaRPr lang="zh-CN" altLang="en-US" sz="2000" dirty="0">
+              <a:latin typeface="思源黑体" panose="020B0500000000000000" pitchFamily="34" charset="-122"/>
+              <a:ea typeface="思源黑体" panose="020B0500000000000000" pitchFamily="34" charset="-122"/>
+            </a:endParaRPr>
+          </a:p>
+        </p:txBody>
+      </p:sp>
+      <p:sp>
+        <p:nvSpPr>
+          <p:cNvPr id="12" name="文本框 11">
+            <a:extLst>
+              <a:ext uri="{FF2B5EF4-FFF2-40B4-BE49-F238E27FC236}">
+                <a16:creationId xmlns:a16="http://schemas.microsoft.com/office/drawing/2014/main" id="{29DA8D18-8AA8-4A9B-8A57-CAEFE9461773}"/>
+              </a:ext>
+            </a:extLst>
+          </p:cNvPr>
+          <p:cNvSpPr txBox="1"/>
+          <p:nvPr/>
+        </p:nvSpPr>
+        <p:spPr>
+          <a:xfrm>
+            <a:off x="7335132" y="2251333"/>
+            <a:ext cx="1079142" cy="400110"/>
+          </a:xfrm>
+          <a:prstGeom prst="rect">
+            <a:avLst/>
+          </a:prstGeom>
+          <a:noFill/>
+        </p:spPr>
+        <p:txBody>
+          <a:bodyPr wrap="none" rtlCol="0">
+            <a:spAutoFit/>
+          </a:bodyPr>
+          <a:lstStyle/>
+          <a:p>
+            <a:r>
+              <a:rPr lang="en-US" altLang="zh-CN" sz="2000" dirty="0">
+                <a:latin typeface="思源黑体" panose="020B0500000000000000" pitchFamily="34" charset="-122"/>
+                <a:ea typeface="思源黑体" panose="020B0500000000000000" pitchFamily="34" charset="-122"/>
+              </a:rPr>
+              <a:t>Biomes</a:t>
+            </a:r>
+            <a:endParaRPr lang="zh-CN" altLang="en-US" sz="2000" dirty="0">
+              <a:latin typeface="思源黑体" panose="020B0500000000000000" pitchFamily="34" charset="-122"/>
+              <a:ea typeface="思源黑体" panose="020B0500000000000000" pitchFamily="34" charset="-122"/>
+            </a:endParaRPr>
+          </a:p>
+        </p:txBody>
+      </p:sp>
+    </p:spTree>
+    <p:extLst>
+      <p:ext uri="{BB962C8B-B14F-4D97-AF65-F5344CB8AC3E}">
+        <p14:creationId xmlns:p14="http://schemas.microsoft.com/office/powerpoint/2010/main" val="1550277030"/>
+      </p:ext>
+    </p:extLst>
+  </p:cSld>
+  <p:clrMapOvr>
+    <a:masterClrMapping/>
+  </p:clrMapOvr>
+</p:sld>
+</file>
+
+<file path=ppt/slides/slide7.xml><?xml version="1.0" encoding="utf-8"?>
+<p:sld xmlns:a="http://schemas.openxmlformats.org/drawingml/2006/main" xmlns:r="http://schemas.openxmlformats.org/officeDocument/2006/relationships" xmlns:p="http://schemas.openxmlformats.org/presentationml/2006/main">
+  <p:cSld>
+    <p:spTree>
+      <p:nvGrpSpPr>
+        <p:cNvPr id="1" name=""/>
+        <p:cNvGrpSpPr/>
+        <p:nvPr/>
+      </p:nvGrpSpPr>
+      <p:grpSpPr>
+        <a:xfrm>
+          <a:off x="0" y="0"/>
+          <a:ext cx="0" cy="0"/>
+          <a:chOff x="0" y="0"/>
+          <a:chExt cx="0" cy="0"/>
+        </a:xfrm>
+      </p:grpSpPr>
+      <p:sp>
+        <p:nvSpPr>
+          <p:cNvPr id="4" name="文本框 3">
+            <a:extLst>
+              <a:ext uri="{FF2B5EF4-FFF2-40B4-BE49-F238E27FC236}">
+                <a16:creationId xmlns:a16="http://schemas.microsoft.com/office/drawing/2014/main" id="{054BF06E-F3BE-4F59-B88B-1BDD61C589F1}"/>
+              </a:ext>
+            </a:extLst>
+          </p:cNvPr>
+          <p:cNvSpPr txBox="1"/>
+          <p:nvPr/>
+        </p:nvSpPr>
+        <p:spPr>
+          <a:xfrm>
+            <a:off x="1538932" y="1346200"/>
+            <a:ext cx="1338828" cy="369332"/>
+          </a:xfrm>
+          <a:prstGeom prst="rect">
+            <a:avLst/>
+          </a:prstGeom>
+          <a:noFill/>
+        </p:spPr>
+        <p:txBody>
+          <a:bodyPr wrap="none" rtlCol="0">
+            <a:spAutoFit/>
+          </a:bodyPr>
+          <a:lstStyle/>
+          <a:p>
+            <a:r>
+              <a:rPr lang="zh-CN" altLang="en-US" dirty="0"/>
+              <a:t>地图宽度：</a:t>
+            </a:r>
+          </a:p>
+        </p:txBody>
+      </p:sp>
+      <p:sp>
+        <p:nvSpPr>
+          <p:cNvPr id="5" name="文本框 4">
+            <a:extLst>
+              <a:ext uri="{FF2B5EF4-FFF2-40B4-BE49-F238E27FC236}">
+                <a16:creationId xmlns:a16="http://schemas.microsoft.com/office/drawing/2014/main" id="{B5FAD3AF-3D07-4482-AE69-E19ED609AB8A}"/>
+              </a:ext>
+            </a:extLst>
+          </p:cNvPr>
+          <p:cNvSpPr txBox="1"/>
+          <p:nvPr/>
+        </p:nvSpPr>
+        <p:spPr>
+          <a:xfrm>
+            <a:off x="1538932" y="1785898"/>
+            <a:ext cx="1338828" cy="369332"/>
+          </a:xfrm>
+          <a:prstGeom prst="rect">
+            <a:avLst/>
+          </a:prstGeom>
+          <a:noFill/>
+        </p:spPr>
+        <p:txBody>
+          <a:bodyPr wrap="none" rtlCol="0">
+            <a:spAutoFit/>
+          </a:bodyPr>
+          <a:lstStyle/>
+          <a:p>
+            <a:r>
+              <a:rPr lang="zh-CN" altLang="en-US" dirty="0"/>
+              <a:t>地图高度：</a:t>
+            </a:r>
+          </a:p>
+        </p:txBody>
+      </p:sp>
+      <p:sp>
+        <p:nvSpPr>
+          <p:cNvPr id="6" name="文本框 5">
+            <a:extLst>
+              <a:ext uri="{FF2B5EF4-FFF2-40B4-BE49-F238E27FC236}">
+                <a16:creationId xmlns:a16="http://schemas.microsoft.com/office/drawing/2014/main" id="{A1569BDF-8A4A-4050-AFDE-7575340C59BE}"/>
+              </a:ext>
+            </a:extLst>
+          </p:cNvPr>
+          <p:cNvSpPr txBox="1"/>
+          <p:nvPr/>
+        </p:nvSpPr>
+        <p:spPr>
+          <a:xfrm>
+            <a:off x="1769764" y="2225596"/>
+            <a:ext cx="1107996" cy="369332"/>
+          </a:xfrm>
+          <a:prstGeom prst="rect">
+            <a:avLst/>
+          </a:prstGeom>
+          <a:noFill/>
+        </p:spPr>
+        <p:txBody>
+          <a:bodyPr wrap="none" rtlCol="0">
+            <a:spAutoFit/>
+          </a:bodyPr>
+          <a:lstStyle/>
+          <a:p>
+            <a:r>
+              <a:rPr lang="zh-CN" altLang="en-US" dirty="0"/>
+              <a:t>随机值：</a:t>
+            </a:r>
+          </a:p>
+        </p:txBody>
+      </p:sp>
+      <p:sp>
+        <p:nvSpPr>
+          <p:cNvPr id="7" name="文本框 6">
+            <a:extLst>
+              <a:ext uri="{FF2B5EF4-FFF2-40B4-BE49-F238E27FC236}">
+                <a16:creationId xmlns:a16="http://schemas.microsoft.com/office/drawing/2014/main" id="{E29CA2FE-54A1-4A38-A68A-5F93C28D818D}"/>
+              </a:ext>
+            </a:extLst>
+          </p:cNvPr>
+          <p:cNvSpPr txBox="1"/>
+          <p:nvPr/>
+        </p:nvSpPr>
+        <p:spPr>
+          <a:xfrm>
+            <a:off x="1769764" y="2665294"/>
+            <a:ext cx="1107996" cy="369332"/>
+          </a:xfrm>
+          <a:prstGeom prst="rect">
+            <a:avLst/>
+          </a:prstGeom>
+          <a:noFill/>
+        </p:spPr>
+        <p:txBody>
+          <a:bodyPr wrap="none" rtlCol="0">
+            <a:spAutoFit/>
+          </a:bodyPr>
+          <a:lstStyle/>
+          <a:p>
+            <a:r>
+              <a:rPr lang="zh-CN" altLang="en-US" dirty="0"/>
+              <a:t>块大小：</a:t>
+            </a:r>
+          </a:p>
+        </p:txBody>
+      </p:sp>
+      <p:sp>
+        <p:nvSpPr>
+          <p:cNvPr id="8" name="文本框 7">
+            <a:extLst>
+              <a:ext uri="{FF2B5EF4-FFF2-40B4-BE49-F238E27FC236}">
+                <a16:creationId xmlns:a16="http://schemas.microsoft.com/office/drawing/2014/main" id="{63241AD3-0069-4678-8B9F-EE60F1CA2F45}"/>
+              </a:ext>
+            </a:extLst>
+          </p:cNvPr>
+          <p:cNvSpPr txBox="1"/>
+          <p:nvPr/>
+        </p:nvSpPr>
+        <p:spPr>
+          <a:xfrm>
+            <a:off x="1308100" y="3104992"/>
+            <a:ext cx="1569660" cy="369332"/>
+          </a:xfrm>
+          <a:prstGeom prst="rect">
+            <a:avLst/>
+          </a:prstGeom>
+          <a:noFill/>
+        </p:spPr>
+        <p:txBody>
+          <a:bodyPr wrap="none" rtlCol="0">
+            <a:spAutoFit/>
+          </a:bodyPr>
+          <a:lstStyle/>
+          <a:p>
+            <a:r>
+              <a:rPr lang="zh-CN" altLang="en-US" dirty="0"/>
+              <a:t>横向块数量：</a:t>
+            </a:r>
+          </a:p>
+        </p:txBody>
+      </p:sp>
+      <p:sp>
+        <p:nvSpPr>
+          <p:cNvPr id="9" name="文本框 8">
+            <a:extLst>
+              <a:ext uri="{FF2B5EF4-FFF2-40B4-BE49-F238E27FC236}">
+                <a16:creationId xmlns:a16="http://schemas.microsoft.com/office/drawing/2014/main" id="{48B37BF1-C758-4DBA-95A3-649CD454577E}"/>
+              </a:ext>
+            </a:extLst>
+          </p:cNvPr>
+          <p:cNvSpPr txBox="1"/>
+          <p:nvPr/>
+        </p:nvSpPr>
+        <p:spPr>
+          <a:xfrm>
+            <a:off x="1308100" y="3544690"/>
+            <a:ext cx="1569660" cy="369332"/>
+          </a:xfrm>
+          <a:prstGeom prst="rect">
+            <a:avLst/>
+          </a:prstGeom>
+          <a:noFill/>
+        </p:spPr>
+        <p:txBody>
+          <a:bodyPr wrap="none" rtlCol="0">
+            <a:spAutoFit/>
+          </a:bodyPr>
+          <a:lstStyle/>
+          <a:p>
+            <a:r>
+              <a:rPr lang="zh-CN" altLang="en-US" dirty="0"/>
+              <a:t>纵向块数量：</a:t>
+            </a:r>
+          </a:p>
+        </p:txBody>
+      </p:sp>
+      <p:sp>
+        <p:nvSpPr>
+          <p:cNvPr id="10" name="文本框 9">
+            <a:extLst>
+              <a:ext uri="{FF2B5EF4-FFF2-40B4-BE49-F238E27FC236}">
+                <a16:creationId xmlns:a16="http://schemas.microsoft.com/office/drawing/2014/main" id="{25CF787F-1B84-4397-9451-DB076634C81C}"/>
+              </a:ext>
+            </a:extLst>
+          </p:cNvPr>
+          <p:cNvSpPr txBox="1"/>
+          <p:nvPr/>
+        </p:nvSpPr>
+        <p:spPr>
+          <a:xfrm>
+            <a:off x="2877760" y="1346200"/>
+            <a:ext cx="1473200" cy="369332"/>
+          </a:xfrm>
+          <a:prstGeom prst="rect">
+            <a:avLst/>
+          </a:prstGeom>
+          <a:noFill/>
+          <a:ln>
+            <a:solidFill>
+              <a:schemeClr val="tx1"/>
+            </a:solidFill>
+          </a:ln>
+        </p:spPr>
+        <p:txBody>
+          <a:bodyPr wrap="square" rtlCol="0">
+            <a:spAutoFit/>
+          </a:bodyPr>
+          <a:lstStyle/>
+          <a:p>
+            <a:endParaRPr lang="zh-CN" altLang="en-US" dirty="0"/>
+          </a:p>
+        </p:txBody>
+      </p:sp>
+      <p:sp>
+        <p:nvSpPr>
+          <p:cNvPr id="11" name="文本框 10">
+            <a:extLst>
+              <a:ext uri="{FF2B5EF4-FFF2-40B4-BE49-F238E27FC236}">
+                <a16:creationId xmlns:a16="http://schemas.microsoft.com/office/drawing/2014/main" id="{DEC8ADFD-FFF5-4840-A3CA-E62D43883D2B}"/>
+              </a:ext>
+            </a:extLst>
+          </p:cNvPr>
+          <p:cNvSpPr txBox="1"/>
+          <p:nvPr/>
+        </p:nvSpPr>
+        <p:spPr>
+          <a:xfrm>
+            <a:off x="2877760" y="1785898"/>
+            <a:ext cx="1473200" cy="369332"/>
+          </a:xfrm>
+          <a:prstGeom prst="rect">
+            <a:avLst/>
+          </a:prstGeom>
+          <a:noFill/>
+          <a:ln>
+            <a:solidFill>
+              <a:schemeClr val="tx1"/>
+            </a:solidFill>
+          </a:ln>
+        </p:spPr>
+        <p:txBody>
+          <a:bodyPr wrap="square" rtlCol="0">
+            <a:spAutoFit/>
+          </a:bodyPr>
+          <a:lstStyle/>
+          <a:p>
+            <a:endParaRPr lang="zh-CN" altLang="en-US" dirty="0"/>
+          </a:p>
+        </p:txBody>
+      </p:sp>
+      <p:sp>
+        <p:nvSpPr>
+          <p:cNvPr id="21" name="右大括号 20">
+            <a:extLst>
+              <a:ext uri="{FF2B5EF4-FFF2-40B4-BE49-F238E27FC236}">
+                <a16:creationId xmlns:a16="http://schemas.microsoft.com/office/drawing/2014/main" id="{3338737E-9541-4FFB-B2E5-A80AB15E5E02}"/>
+              </a:ext>
+            </a:extLst>
+          </p:cNvPr>
+          <p:cNvSpPr/>
+          <p:nvPr/>
+        </p:nvSpPr>
+        <p:spPr>
+          <a:xfrm>
+            <a:off x="4546600" y="1346200"/>
+            <a:ext cx="304044" cy="814864"/>
+          </a:xfrm>
+          <a:prstGeom prst="rightBrace">
+            <a:avLst/>
+          </a:prstGeom>
+          <a:ln w="19050">
+            <a:solidFill>
+              <a:schemeClr val="tx1"/>
+            </a:solidFill>
+          </a:ln>
+        </p:spPr>
+        <p:style>
+          <a:lnRef idx="1">
+            <a:schemeClr val="accent1"/>
+          </a:lnRef>
+          <a:fillRef idx="0">
+            <a:schemeClr val="accent1"/>
+          </a:fillRef>
+          <a:effectRef idx="0">
+            <a:schemeClr val="accent1"/>
+          </a:effectRef>
+          <a:fontRef idx="minor">
+            <a:schemeClr val="tx1"/>
+          </a:fontRef>
+        </p:style>
+        <p:txBody>
+          <a:bodyPr rtlCol="0" anchor="ctr"/>
+          <a:lstStyle/>
+          <a:p>
+            <a:pPr algn="ctr"/>
+            <a:endParaRPr lang="zh-CN" altLang="en-US" dirty="0">
+              <a:latin typeface="思源黑体" panose="020B0500000000000000" pitchFamily="34" charset="-122"/>
+              <a:ea typeface="思源黑体" panose="020B0500000000000000" pitchFamily="34" charset="-122"/>
+            </a:endParaRPr>
+          </a:p>
+        </p:txBody>
+      </p:sp>
+      <p:sp>
+        <p:nvSpPr>
+          <p:cNvPr id="22" name="文本框 21">
+            <a:extLst>
+              <a:ext uri="{FF2B5EF4-FFF2-40B4-BE49-F238E27FC236}">
+                <a16:creationId xmlns:a16="http://schemas.microsoft.com/office/drawing/2014/main" id="{6CFB9B1C-6CB7-4A72-AAD5-BE36F1923AAC}"/>
+              </a:ext>
+            </a:extLst>
+          </p:cNvPr>
+          <p:cNvSpPr txBox="1"/>
+          <p:nvPr/>
+        </p:nvSpPr>
+        <p:spPr>
+          <a:xfrm>
+            <a:off x="5080337" y="1430466"/>
+            <a:ext cx="2031325" cy="646331"/>
+          </a:xfrm>
+          <a:prstGeom prst="rect">
+            <a:avLst/>
+          </a:prstGeom>
+          <a:noFill/>
+        </p:spPr>
+        <p:txBody>
+          <a:bodyPr wrap="none" rtlCol="0">
+            <a:spAutoFit/>
+          </a:bodyPr>
+          <a:lstStyle/>
+          <a:p>
+            <a:r>
+              <a:rPr lang="zh-CN" altLang="en-US" dirty="0"/>
+              <a:t>不可修改的值，</a:t>
+            </a:r>
+            <a:endParaRPr lang="en-US" altLang="zh-CN" dirty="0"/>
+          </a:p>
+          <a:p>
+            <a:r>
+              <a:rPr lang="zh-CN" altLang="en-US" dirty="0"/>
+              <a:t>通过下方设定计算</a:t>
+            </a:r>
+          </a:p>
+        </p:txBody>
+      </p:sp>
+    </p:spTree>
+    <p:controls>
+      <mc:AlternateContent xmlns:mc="http://schemas.openxmlformats.org/markup-compatibility/2006">
+        <mc:Choice xmlns:v="urn:schemas-microsoft-com:vml" Requires="v">
+          <p:control spid="3130" name="SpinButton1" r:id="rId2" imgW="276120" imgH="304920"/>
+        </mc:Choice>
+        <mc:Fallback>
+          <p:control name="SpinButton1" r:id="rId2" imgW="276120" imgH="304920">
+            <p:pic>
+              <p:nvPicPr>
+                <p:cNvPr id="12" name="SpinButton1">
+                  <a:extLst>
+                    <a:ext uri="{FF2B5EF4-FFF2-40B4-BE49-F238E27FC236}">
+                      <a16:creationId xmlns:a16="http://schemas.microsoft.com/office/drawing/2014/main" id="{10E377FC-C401-4AAA-AB6D-61EB7AE61BE3}"/>
+                    </a:ext>
+                  </a:extLst>
+                </p:cNvPr>
+                <p:cNvPicPr>
+                  <a:picLocks/>
+                </p:cNvPicPr>
+                <p:nvPr/>
+              </p:nvPicPr>
+              <p:blipFill>
+                <a:blip r:embed="rId11"/>
+                <a:stretch>
+                  <a:fillRect/>
+                </a:stretch>
+              </p:blipFill>
+              <p:spPr>
+                <a:xfrm>
+                  <a:off x="4876422" y="2237402"/>
+                  <a:ext cx="279400" cy="304800"/>
+                </a:xfrm>
+                <a:prstGeom prst="rect">
+                  <a:avLst/>
+                </a:prstGeom>
+              </p:spPr>
+            </p:pic>
+          </p:control>
+        </mc:Fallback>
+      </mc:AlternateContent>
+      <mc:AlternateContent xmlns:mc="http://schemas.openxmlformats.org/markup-compatibility/2006">
+        <mc:Choice xmlns:v="urn:schemas-microsoft-com:vml" Requires="v">
+          <p:control spid="3131" name="TextBox1" r:id="rId3" imgW="2000160" imgH="285840"/>
+        </mc:Choice>
+        <mc:Fallback>
+          <p:control name="TextBox1" r:id="rId3" imgW="2000160" imgH="285840">
+            <p:pic>
+              <p:nvPicPr>
+                <p:cNvPr id="13" name="TextBox1">
+                  <a:extLst>
+                    <a:ext uri="{FF2B5EF4-FFF2-40B4-BE49-F238E27FC236}">
+                      <a16:creationId xmlns:a16="http://schemas.microsoft.com/office/drawing/2014/main" id="{F7C8CC96-7320-4165-8413-FEF505DB72B0}"/>
+                    </a:ext>
+                  </a:extLst>
+                </p:cNvPr>
+                <p:cNvPicPr>
+                  <a:picLocks/>
+                </p:cNvPicPr>
+                <p:nvPr/>
+              </p:nvPicPr>
+              <p:blipFill>
+                <a:blip r:embed="rId12"/>
+                <a:stretch>
+                  <a:fillRect/>
+                </a:stretch>
+              </p:blipFill>
+              <p:spPr>
+                <a:xfrm>
+                  <a:off x="2877760" y="2257862"/>
+                  <a:ext cx="1998662" cy="284340"/>
+                </a:xfrm>
+                <a:prstGeom prst="rect">
+                  <a:avLst/>
+                </a:prstGeom>
+              </p:spPr>
+            </p:pic>
+          </p:control>
+        </mc:Fallback>
+      </mc:AlternateContent>
+      <mc:AlternateContent xmlns:mc="http://schemas.openxmlformats.org/markup-compatibility/2006">
+        <mc:Choice xmlns:v="urn:schemas-microsoft-com:vml" Requires="v">
+          <p:control spid="3132" name="SpinButton2" r:id="rId4" imgW="276120" imgH="304920"/>
+        </mc:Choice>
+        <mc:Fallback>
+          <p:control name="SpinButton2" r:id="rId4" imgW="276120" imgH="304920">
+            <p:pic>
+              <p:nvPicPr>
+                <p:cNvPr id="14" name="SpinButton2">
+                  <a:extLst>
+                    <a:ext uri="{FF2B5EF4-FFF2-40B4-BE49-F238E27FC236}">
+                      <a16:creationId xmlns:a16="http://schemas.microsoft.com/office/drawing/2014/main" id="{C6514F26-8486-4F68-96E2-616BB48FAE3A}"/>
+                    </a:ext>
+                  </a:extLst>
+                </p:cNvPr>
+                <p:cNvPicPr>
+                  <a:picLocks/>
+                </p:cNvPicPr>
+                <p:nvPr/>
+              </p:nvPicPr>
+              <p:blipFill>
+                <a:blip r:embed="rId11"/>
+                <a:stretch>
+                  <a:fillRect/>
+                </a:stretch>
+              </p:blipFill>
+              <p:spPr>
+                <a:xfrm>
+                  <a:off x="4876422" y="2714168"/>
+                  <a:ext cx="279400" cy="304800"/>
+                </a:xfrm>
+                <a:prstGeom prst="rect">
+                  <a:avLst/>
+                </a:prstGeom>
+              </p:spPr>
+            </p:pic>
+          </p:control>
+        </mc:Fallback>
+      </mc:AlternateContent>
+      <mc:AlternateContent xmlns:mc="http://schemas.openxmlformats.org/markup-compatibility/2006">
+        <mc:Choice xmlns:v="urn:schemas-microsoft-com:vml" Requires="v">
+          <p:control spid="3133" name="TextBox2" r:id="rId5" imgW="2000160" imgH="285840"/>
+        </mc:Choice>
+        <mc:Fallback>
+          <p:control name="TextBox2" r:id="rId5" imgW="2000160" imgH="285840">
+            <p:pic>
+              <p:nvPicPr>
+                <p:cNvPr id="15" name="TextBox2">
+                  <a:extLst>
+                    <a:ext uri="{FF2B5EF4-FFF2-40B4-BE49-F238E27FC236}">
+                      <a16:creationId xmlns:a16="http://schemas.microsoft.com/office/drawing/2014/main" id="{99CAC148-2028-4D7F-A08F-B3AC9C853F49}"/>
+                    </a:ext>
+                  </a:extLst>
+                </p:cNvPr>
+                <p:cNvPicPr>
+                  <a:picLocks/>
+                </p:cNvPicPr>
+                <p:nvPr/>
+              </p:nvPicPr>
+              <p:blipFill>
+                <a:blip r:embed="rId12"/>
+                <a:stretch>
+                  <a:fillRect/>
+                </a:stretch>
+              </p:blipFill>
+              <p:spPr>
+                <a:xfrm>
+                  <a:off x="2877760" y="2734628"/>
+                  <a:ext cx="1998662" cy="284340"/>
+                </a:xfrm>
+                <a:prstGeom prst="rect">
+                  <a:avLst/>
+                </a:prstGeom>
+              </p:spPr>
+            </p:pic>
+          </p:control>
+        </mc:Fallback>
+      </mc:AlternateContent>
+      <mc:AlternateContent xmlns:mc="http://schemas.openxmlformats.org/markup-compatibility/2006">
+        <mc:Choice xmlns:v="urn:schemas-microsoft-com:vml" Requires="v">
+          <p:control spid="3134" name="SpinButton3" r:id="rId6" imgW="276120" imgH="304920"/>
+        </mc:Choice>
+        <mc:Fallback>
+          <p:control name="SpinButton3" r:id="rId6" imgW="276120" imgH="304920">
+            <p:pic>
+              <p:nvPicPr>
+                <p:cNvPr id="16" name="SpinButton3">
+                  <a:extLst>
+                    <a:ext uri="{FF2B5EF4-FFF2-40B4-BE49-F238E27FC236}">
+                      <a16:creationId xmlns:a16="http://schemas.microsoft.com/office/drawing/2014/main" id="{EE903AAA-9AFE-4B13-8CBA-7047387B8F23}"/>
+                    </a:ext>
+                  </a:extLst>
+                </p:cNvPr>
+                <p:cNvPicPr>
+                  <a:picLocks/>
+                </p:cNvPicPr>
+                <p:nvPr/>
+              </p:nvPicPr>
+              <p:blipFill>
+                <a:blip r:embed="rId11"/>
+                <a:stretch>
+                  <a:fillRect/>
+                </a:stretch>
+              </p:blipFill>
+              <p:spPr>
+                <a:xfrm>
+                  <a:off x="4876422" y="3143092"/>
+                  <a:ext cx="279400" cy="304800"/>
+                </a:xfrm>
+                <a:prstGeom prst="rect">
+                  <a:avLst/>
+                </a:prstGeom>
+              </p:spPr>
+            </p:pic>
+          </p:control>
+        </mc:Fallback>
+      </mc:AlternateContent>
+      <mc:AlternateContent xmlns:mc="http://schemas.openxmlformats.org/markup-compatibility/2006">
+        <mc:Choice xmlns:v="urn:schemas-microsoft-com:vml" Requires="v">
+          <p:control spid="3135" name="TextBox3" r:id="rId7" imgW="2000160" imgH="285840"/>
+        </mc:Choice>
+        <mc:Fallback>
+          <p:control name="TextBox3" r:id="rId7" imgW="2000160" imgH="285840">
+            <p:pic>
+              <p:nvPicPr>
+                <p:cNvPr id="17" name="TextBox3">
+                  <a:extLst>
+                    <a:ext uri="{FF2B5EF4-FFF2-40B4-BE49-F238E27FC236}">
+                      <a16:creationId xmlns:a16="http://schemas.microsoft.com/office/drawing/2014/main" id="{64340A6F-6AC6-42E4-9D8C-BE46AA9BD246}"/>
+                    </a:ext>
+                  </a:extLst>
+                </p:cNvPr>
+                <p:cNvPicPr>
+                  <a:picLocks/>
+                </p:cNvPicPr>
+                <p:nvPr/>
+              </p:nvPicPr>
+              <p:blipFill>
+                <a:blip r:embed="rId12"/>
+                <a:stretch>
+                  <a:fillRect/>
+                </a:stretch>
+              </p:blipFill>
+              <p:spPr>
+                <a:xfrm>
+                  <a:off x="2877760" y="3163552"/>
+                  <a:ext cx="1998662" cy="284340"/>
+                </a:xfrm>
+                <a:prstGeom prst="rect">
+                  <a:avLst/>
+                </a:prstGeom>
+              </p:spPr>
+            </p:pic>
+          </p:control>
+        </mc:Fallback>
+      </mc:AlternateContent>
+      <mc:AlternateContent xmlns:mc="http://schemas.openxmlformats.org/markup-compatibility/2006">
+        <mc:Choice xmlns:v="urn:schemas-microsoft-com:vml" Requires="v">
+          <p:control spid="3136" name="SpinButton4" r:id="rId8" imgW="276120" imgH="304920"/>
+        </mc:Choice>
+        <mc:Fallback>
+          <p:control name="SpinButton4" r:id="rId8" imgW="276120" imgH="304920">
+            <p:pic>
+              <p:nvPicPr>
+                <p:cNvPr id="18" name="SpinButton4">
+                  <a:extLst>
+                    <a:ext uri="{FF2B5EF4-FFF2-40B4-BE49-F238E27FC236}">
+                      <a16:creationId xmlns:a16="http://schemas.microsoft.com/office/drawing/2014/main" id="{D7464BCE-B6D9-4B05-84C9-8FA1F4ACC28A}"/>
+                    </a:ext>
+                  </a:extLst>
+                </p:cNvPr>
+                <p:cNvPicPr>
+                  <a:picLocks/>
+                </p:cNvPicPr>
+                <p:nvPr/>
+              </p:nvPicPr>
+              <p:blipFill>
+                <a:blip r:embed="rId11"/>
+                <a:stretch>
+                  <a:fillRect/>
+                </a:stretch>
+              </p:blipFill>
+              <p:spPr>
+                <a:xfrm>
+                  <a:off x="4876422" y="3582790"/>
+                  <a:ext cx="279400" cy="304800"/>
+                </a:xfrm>
+                <a:prstGeom prst="rect">
+                  <a:avLst/>
+                </a:prstGeom>
+              </p:spPr>
+            </p:pic>
+          </p:control>
+        </mc:Fallback>
+      </mc:AlternateContent>
+      <mc:AlternateContent xmlns:mc="http://schemas.openxmlformats.org/markup-compatibility/2006">
+        <mc:Choice xmlns:v="urn:schemas-microsoft-com:vml" Requires="v">
+          <p:control spid="3137" name="TextBox4" r:id="rId9" imgW="2000160" imgH="285840"/>
+        </mc:Choice>
+        <mc:Fallback>
+          <p:control name="TextBox4" r:id="rId9" imgW="2000160" imgH="285840">
+            <p:pic>
+              <p:nvPicPr>
+                <p:cNvPr id="19" name="TextBox4">
+                  <a:extLst>
+                    <a:ext uri="{FF2B5EF4-FFF2-40B4-BE49-F238E27FC236}">
+                      <a16:creationId xmlns:a16="http://schemas.microsoft.com/office/drawing/2014/main" id="{C5945660-91F4-404E-A702-62F738CBE2BB}"/>
+                    </a:ext>
+                  </a:extLst>
+                </p:cNvPr>
+                <p:cNvPicPr>
+                  <a:picLocks/>
+                </p:cNvPicPr>
+                <p:nvPr/>
+              </p:nvPicPr>
+              <p:blipFill>
+                <a:blip r:embed="rId12"/>
+                <a:stretch>
+                  <a:fillRect/>
+                </a:stretch>
+              </p:blipFill>
+              <p:spPr>
+                <a:xfrm>
+                  <a:off x="2877760" y="3603250"/>
+                  <a:ext cx="1998662" cy="284340"/>
+                </a:xfrm>
+                <a:prstGeom prst="rect">
+                  <a:avLst/>
+                </a:prstGeom>
+              </p:spPr>
+            </p:pic>
+          </p:control>
+        </mc:Fallback>
+      </mc:AlternateContent>
+    </p:controls>
+    <p:extLst>
+      <p:ext uri="{BB962C8B-B14F-4D97-AF65-F5344CB8AC3E}">
+        <p14:creationId xmlns:p14="http://schemas.microsoft.com/office/powerpoint/2010/main" val="4291406309"/>
+      </p:ext>
+    </p:extLst>
+  </p:cSld>
+  <p:clrMapOvr>
+    <a:masterClrMapping/>
+  </p:clrMapOvr>
+</p:sld>
+</file>
+
+<file path=ppt/slides/slide8.xml><?xml version="1.0" encoding="utf-8"?>
+<p:sld xmlns:a="http://schemas.openxmlformats.org/drawingml/2006/main" xmlns:r="http://schemas.openxmlformats.org/officeDocument/2006/relationships" xmlns:p="http://schemas.openxmlformats.org/presentationml/2006/main">
+  <p:cSld>
+    <p:spTree>
+      <p:nvGrpSpPr>
+        <p:cNvPr id="1" name=""/>
+        <p:cNvGrpSpPr/>
+        <p:nvPr/>
+      </p:nvGrpSpPr>
+      <p:grpSpPr>
+        <a:xfrm>
+          <a:off x="0" y="0"/>
+          <a:ext cx="0" cy="0"/>
+          <a:chOff x="0" y="0"/>
+          <a:chExt cx="0" cy="0"/>
+        </a:xfrm>
+      </p:grpSpPr>
+      <p:graphicFrame>
+        <p:nvGraphicFramePr>
+          <p:cNvPr id="5" name="表格 4">
+            <a:extLst>
+              <a:ext uri="{FF2B5EF4-FFF2-40B4-BE49-F238E27FC236}">
+                <a16:creationId xmlns:a16="http://schemas.microsoft.com/office/drawing/2014/main" id="{CADAAE6C-2539-42B3-B382-7840C1D135F0}"/>
+              </a:ext>
+            </a:extLst>
+          </p:cNvPr>
+          <p:cNvGraphicFramePr>
+            <a:graphicFrameLocks noGrp="1"/>
+          </p:cNvGraphicFramePr>
+          <p:nvPr>
+            <p:extLst>
+              <p:ext uri="{D42A27DB-BD31-4B8C-83A1-F6EECF244321}">
+                <p14:modId xmlns:p14="http://schemas.microsoft.com/office/powerpoint/2010/main" val="1276530489"/>
+              </p:ext>
+            </p:extLst>
+          </p:nvPr>
+        </p:nvGraphicFramePr>
+        <p:xfrm>
+          <a:off x="1399822" y="1690510"/>
+          <a:ext cx="2585157" cy="1368780"/>
+        </p:xfrm>
+        <a:graphic>
+          <a:graphicData uri="http://schemas.openxmlformats.org/drawingml/2006/table">
+            <a:tbl>
+              <a:tblPr firstRow="1" bandRow="1">
+                <a:tableStyleId>{5C22544A-7EE6-4342-B048-85BDC9FD1C3A}</a:tableStyleId>
+              </a:tblPr>
+              <a:tblGrid>
+                <a:gridCol w="861719">
+                  <a:extLst>
+                    <a:ext uri="{9D8B030D-6E8A-4147-A177-3AD203B41FA5}">
+                      <a16:colId xmlns:a16="http://schemas.microsoft.com/office/drawing/2014/main" val="2785000937"/>
+                    </a:ext>
+                  </a:extLst>
+                </a:gridCol>
+                <a:gridCol w="861719">
+                  <a:extLst>
+                    <a:ext uri="{9D8B030D-6E8A-4147-A177-3AD203B41FA5}">
+                      <a16:colId xmlns:a16="http://schemas.microsoft.com/office/drawing/2014/main" val="1221585900"/>
+                    </a:ext>
+                  </a:extLst>
+                </a:gridCol>
+                <a:gridCol w="861719">
+                  <a:extLst>
+                    <a:ext uri="{9D8B030D-6E8A-4147-A177-3AD203B41FA5}">
+                      <a16:colId xmlns:a16="http://schemas.microsoft.com/office/drawing/2014/main" val="2832632214"/>
+                    </a:ext>
+                  </a:extLst>
+                </a:gridCol>
+              </a:tblGrid>
+              <a:tr h="456260">
+                <a:tc>
+                  <a:txBody>
+                    <a:bodyPr/>
+                    <a:lstStyle/>
+                    <a:p>
+                      <a:pPr algn="ctr"/>
+                      <a:r>
+                        <a:rPr lang="zh-CN" altLang="en-US" dirty="0">
+                          <a:solidFill>
+                            <a:sysClr val="windowText" lastClr="000000"/>
+                          </a:solidFill>
+                          <a:latin typeface="思源黑体" panose="020B0500000000000000" pitchFamily="34" charset="-122"/>
+                          <a:ea typeface="思源黑体" panose="020B0500000000000000" pitchFamily="34" charset="-122"/>
+                        </a:rPr>
+                        <a:t>↖</a:t>
+                      </a:r>
+                    </a:p>
+                  </a:txBody>
+                  <a:tcPr anchor="ctr">
+                    <a:lnL w="12700" cap="flat" cmpd="sng" algn="ctr">
+                      <a:solidFill>
+                        <a:schemeClr val="tx1"/>
+                      </a:solidFill>
+                      <a:prstDash val="solid"/>
+                      <a:round/>
+                      <a:headEnd type="none" w="med" len="med"/>
+                      <a:tailEnd type="none" w="med" len="med"/>
+                    </a:lnL>
+                    <a:lnR w="12700" cap="flat" cmpd="sng" algn="ctr">
+                      <a:solidFill>
+                        <a:schemeClr val="tx1"/>
+                      </a:solidFill>
+                      <a:prstDash val="solid"/>
+                      <a:round/>
+                      <a:headEnd type="none" w="med" len="med"/>
+                      <a:tailEnd type="none" w="med" len="med"/>
+                    </a:lnR>
+                    <a:lnT w="12700" cap="flat" cmpd="sng" algn="ctr">
+                      <a:solidFill>
+                        <a:schemeClr val="tx1"/>
+                      </a:solidFill>
+                      <a:prstDash val="solid"/>
+                      <a:round/>
+                      <a:headEnd type="none" w="med" len="med"/>
+                      <a:tailEnd type="none" w="med" len="med"/>
+                    </a:lnT>
+                    <a:lnB w="12700" cap="flat" cmpd="sng" algn="ctr">
+                      <a:solidFill>
+                        <a:schemeClr val="tx1"/>
+                      </a:solidFill>
+                      <a:prstDash val="solid"/>
+                      <a:round/>
+                      <a:headEnd type="none" w="med" len="med"/>
+                      <a:tailEnd type="none" w="med" len="med"/>
+                    </a:lnB>
+                    <a:noFill/>
+                  </a:tcPr>
+                </a:tc>
+                <a:tc>
+                  <a:txBody>
+                    <a:bodyPr/>
+                    <a:lstStyle/>
+                    <a:p>
+                      <a:pPr algn="ctr"/>
+                      <a:r>
+                        <a:rPr lang="zh-CN" altLang="en-US" dirty="0">
+                          <a:solidFill>
+                            <a:sysClr val="windowText" lastClr="000000"/>
+                          </a:solidFill>
+                          <a:latin typeface="思源黑体" panose="020B0500000000000000" pitchFamily="34" charset="-122"/>
+                          <a:ea typeface="思源黑体" panose="020B0500000000000000" pitchFamily="34" charset="-122"/>
+                        </a:rPr>
+                        <a:t>↑</a:t>
+                      </a:r>
+                    </a:p>
+                  </a:txBody>
+                  <a:tcPr anchor="ctr">
+                    <a:lnL w="12700" cap="flat" cmpd="sng" algn="ctr">
+                      <a:solidFill>
+                        <a:schemeClr val="tx1"/>
+                      </a:solidFill>
+                      <a:prstDash val="solid"/>
+                      <a:round/>
+                      <a:headEnd type="none" w="med" len="med"/>
+                      <a:tailEnd type="none" w="med" len="med"/>
+                    </a:lnL>
+                    <a:lnR w="12700" cap="flat" cmpd="sng" algn="ctr">
+                      <a:solidFill>
+                        <a:schemeClr val="tx1"/>
+                      </a:solidFill>
+                      <a:prstDash val="solid"/>
+                      <a:round/>
+                      <a:headEnd type="none" w="med" len="med"/>
+                      <a:tailEnd type="none" w="med" len="med"/>
+                    </a:lnR>
+                    <a:lnT w="12700" cap="flat" cmpd="sng" algn="ctr">
+                      <a:solidFill>
+                        <a:schemeClr val="tx1"/>
+                      </a:solidFill>
+                      <a:prstDash val="solid"/>
+                      <a:round/>
+                      <a:headEnd type="none" w="med" len="med"/>
+                      <a:tailEnd type="none" w="med" len="med"/>
+                    </a:lnT>
+                    <a:lnB w="12700" cap="flat" cmpd="sng" algn="ctr">
+                      <a:solidFill>
+                        <a:schemeClr val="tx1"/>
+                      </a:solidFill>
+                      <a:prstDash val="solid"/>
+                      <a:round/>
+                      <a:headEnd type="none" w="med" len="med"/>
+                      <a:tailEnd type="none" w="med" len="med"/>
+                    </a:lnB>
+                    <a:noFill/>
+                  </a:tcPr>
+                </a:tc>
+                <a:tc>
+                  <a:txBody>
+                    <a:bodyPr/>
+                    <a:lstStyle/>
+                    <a:p>
+                      <a:pPr algn="ctr"/>
+                      <a:r>
+                        <a:rPr lang="zh-CN" altLang="en-US" dirty="0">
+                          <a:solidFill>
+                            <a:sysClr val="windowText" lastClr="000000"/>
+                          </a:solidFill>
+                          <a:latin typeface="思源黑体" panose="020B0500000000000000" pitchFamily="34" charset="-122"/>
+                          <a:ea typeface="思源黑体" panose="020B0500000000000000" pitchFamily="34" charset="-122"/>
+                        </a:rPr>
+                        <a:t>↗</a:t>
+                      </a:r>
+                    </a:p>
+                  </a:txBody>
+                  <a:tcPr anchor="ctr">
+                    <a:lnL w="12700" cap="flat" cmpd="sng" algn="ctr">
+                      <a:solidFill>
+                        <a:schemeClr val="tx1"/>
+                      </a:solidFill>
+                      <a:prstDash val="solid"/>
+                      <a:round/>
+                      <a:headEnd type="none" w="med" len="med"/>
+                      <a:tailEnd type="none" w="med" len="med"/>
+                    </a:lnL>
+                    <a:lnR w="12700" cap="flat" cmpd="sng" algn="ctr">
+                      <a:solidFill>
+                        <a:schemeClr val="tx1"/>
+                      </a:solidFill>
+                      <a:prstDash val="solid"/>
+                      <a:round/>
+                      <a:headEnd type="none" w="med" len="med"/>
+                      <a:tailEnd type="none" w="med" len="med"/>
+                    </a:lnR>
+                    <a:lnT w="12700" cap="flat" cmpd="sng" algn="ctr">
+                      <a:solidFill>
+                        <a:schemeClr val="tx1"/>
+                      </a:solidFill>
+                      <a:prstDash val="solid"/>
+                      <a:round/>
+                      <a:headEnd type="none" w="med" len="med"/>
+                      <a:tailEnd type="none" w="med" len="med"/>
+                    </a:lnT>
+                    <a:lnB w="12700" cap="flat" cmpd="sng" algn="ctr">
+                      <a:solidFill>
+                        <a:schemeClr val="tx1"/>
+                      </a:solidFill>
+                      <a:prstDash val="solid"/>
+                      <a:round/>
+                      <a:headEnd type="none" w="med" len="med"/>
+                      <a:tailEnd type="none" w="med" len="med"/>
+                    </a:lnB>
+                    <a:noFill/>
+                  </a:tcPr>
+                </a:tc>
+                <a:extLst>
+                  <a:ext uri="{0D108BD9-81ED-4DB2-BD59-A6C34878D82A}">
+                    <a16:rowId xmlns:a16="http://schemas.microsoft.com/office/drawing/2014/main" val="3867694774"/>
+                  </a:ext>
+                </a:extLst>
+              </a:tr>
+              <a:tr h="456260">
+                <a:tc>
+                  <a:txBody>
+                    <a:bodyPr/>
+                    <a:lstStyle/>
+                    <a:p>
+                      <a:pPr algn="ctr"/>
+                      <a:r>
+                        <a:rPr lang="zh-CN" altLang="en-US" dirty="0">
+                          <a:solidFill>
+                            <a:sysClr val="windowText" lastClr="000000"/>
+                          </a:solidFill>
+                          <a:latin typeface="思源黑体" panose="020B0500000000000000" pitchFamily="34" charset="-122"/>
+                          <a:ea typeface="思源黑体" panose="020B0500000000000000" pitchFamily="34" charset="-122"/>
+                        </a:rPr>
+                        <a:t>←</a:t>
+                      </a:r>
+                    </a:p>
+                  </a:txBody>
+                  <a:tcPr anchor="ctr">
+                    <a:lnL w="12700" cap="flat" cmpd="sng" algn="ctr">
+                      <a:solidFill>
+                        <a:schemeClr val="tx1"/>
+                      </a:solidFill>
+                      <a:prstDash val="solid"/>
+                      <a:round/>
+                      <a:headEnd type="none" w="med" len="med"/>
+                      <a:tailEnd type="none" w="med" len="med"/>
+                    </a:lnL>
+                    <a:lnR w="12700" cap="flat" cmpd="sng" algn="ctr">
+                      <a:solidFill>
+                        <a:schemeClr val="tx1"/>
+                      </a:solidFill>
+                      <a:prstDash val="solid"/>
+                      <a:round/>
+                      <a:headEnd type="none" w="med" len="med"/>
+                      <a:tailEnd type="none" w="med" len="med"/>
+                    </a:lnR>
+                    <a:lnT w="12700" cap="flat" cmpd="sng" algn="ctr">
+                      <a:solidFill>
+                        <a:schemeClr val="tx1"/>
+                      </a:solidFill>
+                      <a:prstDash val="solid"/>
+                      <a:round/>
+                      <a:headEnd type="none" w="med" len="med"/>
+                      <a:tailEnd type="none" w="med" len="med"/>
+                    </a:lnT>
+                    <a:lnB w="12700" cap="flat" cmpd="sng" algn="ctr">
+                      <a:solidFill>
+                        <a:schemeClr val="tx1"/>
+                      </a:solidFill>
+                      <a:prstDash val="solid"/>
+                      <a:round/>
+                      <a:headEnd type="none" w="med" len="med"/>
+                      <a:tailEnd type="none" w="med" len="med"/>
+                    </a:lnB>
+                    <a:noFill/>
+                  </a:tcPr>
+                </a:tc>
+                <a:tc>
+                  <a:txBody>
+                    <a:bodyPr/>
+                    <a:lstStyle/>
+                    <a:p>
+                      <a:pPr algn="ctr"/>
+                      <a:r>
+                        <a:rPr lang="en-US" altLang="zh-CN" dirty="0">
+                          <a:solidFill>
+                            <a:sysClr val="windowText" lastClr="000000"/>
+                          </a:solidFill>
+                          <a:latin typeface="思源黑体" panose="020B0500000000000000" pitchFamily="34" charset="-122"/>
+                          <a:ea typeface="思源黑体" panose="020B0500000000000000" pitchFamily="34" charset="-122"/>
+                        </a:rPr>
+                        <a:t>●</a:t>
+                      </a:r>
+                      <a:endParaRPr lang="zh-CN" altLang="en-US" dirty="0">
+                        <a:solidFill>
+                          <a:sysClr val="windowText" lastClr="000000"/>
+                        </a:solidFill>
+                        <a:latin typeface="思源黑体" panose="020B0500000000000000" pitchFamily="34" charset="-122"/>
+                        <a:ea typeface="思源黑体" panose="020B0500000000000000" pitchFamily="34" charset="-122"/>
+                      </a:endParaRPr>
+                    </a:p>
+                  </a:txBody>
+                  <a:tcPr anchor="ctr">
+                    <a:lnL w="12700" cap="flat" cmpd="sng" algn="ctr">
+                      <a:solidFill>
+                        <a:schemeClr val="tx1"/>
+                      </a:solidFill>
+                      <a:prstDash val="solid"/>
+                      <a:round/>
+                      <a:headEnd type="none" w="med" len="med"/>
+                      <a:tailEnd type="none" w="med" len="med"/>
+                    </a:lnL>
+                    <a:lnR w="12700" cap="flat" cmpd="sng" algn="ctr">
+                      <a:solidFill>
+                        <a:schemeClr val="tx1"/>
+                      </a:solidFill>
+                      <a:prstDash val="solid"/>
+                      <a:round/>
+                      <a:headEnd type="none" w="med" len="med"/>
+                      <a:tailEnd type="none" w="med" len="med"/>
+                    </a:lnR>
+                    <a:lnT w="12700" cap="flat" cmpd="sng" algn="ctr">
+                      <a:solidFill>
+                        <a:schemeClr val="tx1"/>
+                      </a:solidFill>
+                      <a:prstDash val="solid"/>
+                      <a:round/>
+                      <a:headEnd type="none" w="med" len="med"/>
+                      <a:tailEnd type="none" w="med" len="med"/>
+                    </a:lnT>
+                    <a:lnB w="12700" cap="flat" cmpd="sng" algn="ctr">
+                      <a:solidFill>
+                        <a:schemeClr val="tx1"/>
+                      </a:solidFill>
+                      <a:prstDash val="solid"/>
+                      <a:round/>
+                      <a:headEnd type="none" w="med" len="med"/>
+                      <a:tailEnd type="none" w="med" len="med"/>
+                    </a:lnB>
+                    <a:noFill/>
+                  </a:tcPr>
+                </a:tc>
+                <a:tc>
+                  <a:txBody>
+                    <a:bodyPr/>
+                    <a:lstStyle/>
+                    <a:p>
+                      <a:pPr algn="ctr"/>
+                      <a:r>
+                        <a:rPr lang="zh-CN" altLang="en-US" dirty="0">
+                          <a:solidFill>
+                            <a:sysClr val="windowText" lastClr="000000"/>
+                          </a:solidFill>
+                          <a:latin typeface="思源黑体" panose="020B0500000000000000" pitchFamily="34" charset="-122"/>
+                          <a:ea typeface="思源黑体" panose="020B0500000000000000" pitchFamily="34" charset="-122"/>
+                        </a:rPr>
+                        <a:t>→</a:t>
+                      </a:r>
+                    </a:p>
+                  </a:txBody>
+                  <a:tcPr anchor="ctr">
+                    <a:lnL w="12700" cap="flat" cmpd="sng" algn="ctr">
+                      <a:solidFill>
+                        <a:schemeClr val="tx1"/>
+                      </a:solidFill>
+                      <a:prstDash val="solid"/>
+                      <a:round/>
+                      <a:headEnd type="none" w="med" len="med"/>
+                      <a:tailEnd type="none" w="med" len="med"/>
+                    </a:lnL>
+                    <a:lnR w="12700" cap="flat" cmpd="sng" algn="ctr">
+                      <a:solidFill>
+                        <a:schemeClr val="tx1"/>
+                      </a:solidFill>
+                      <a:prstDash val="solid"/>
+                      <a:round/>
+                      <a:headEnd type="none" w="med" len="med"/>
+                      <a:tailEnd type="none" w="med" len="med"/>
+                    </a:lnR>
+                    <a:lnT w="12700" cap="flat" cmpd="sng" algn="ctr">
+                      <a:solidFill>
+                        <a:schemeClr val="tx1"/>
+                      </a:solidFill>
+                      <a:prstDash val="solid"/>
+                      <a:round/>
+                      <a:headEnd type="none" w="med" len="med"/>
+                      <a:tailEnd type="none" w="med" len="med"/>
+                    </a:lnT>
+                    <a:lnB w="12700" cap="flat" cmpd="sng" algn="ctr">
+                      <a:solidFill>
+                        <a:schemeClr val="tx1"/>
+                      </a:solidFill>
+                      <a:prstDash val="solid"/>
+                      <a:round/>
+                      <a:headEnd type="none" w="med" len="med"/>
+                      <a:tailEnd type="none" w="med" len="med"/>
+                    </a:lnB>
+                    <a:noFill/>
+                  </a:tcPr>
+                </a:tc>
+                <a:extLst>
+                  <a:ext uri="{0D108BD9-81ED-4DB2-BD59-A6C34878D82A}">
+                    <a16:rowId xmlns:a16="http://schemas.microsoft.com/office/drawing/2014/main" val="2164668203"/>
+                  </a:ext>
+                </a:extLst>
+              </a:tr>
+              <a:tr h="456260">
+                <a:tc>
+                  <a:txBody>
+                    <a:bodyPr/>
+                    <a:lstStyle/>
+                    <a:p>
+                      <a:pPr algn="ctr"/>
+                      <a:r>
+                        <a:rPr lang="zh-CN" altLang="en-US" dirty="0">
+                          <a:solidFill>
+                            <a:sysClr val="windowText" lastClr="000000"/>
+                          </a:solidFill>
+                          <a:latin typeface="思源黑体" panose="020B0500000000000000" pitchFamily="34" charset="-122"/>
+                          <a:ea typeface="思源黑体" panose="020B0500000000000000" pitchFamily="34" charset="-122"/>
+                        </a:rPr>
+                        <a:t>↙</a:t>
+                      </a:r>
+                    </a:p>
+                  </a:txBody>
+                  <a:tcPr anchor="ctr">
+                    <a:lnL w="12700" cap="flat" cmpd="sng" algn="ctr">
+                      <a:solidFill>
+                        <a:schemeClr val="tx1"/>
+                      </a:solidFill>
+                      <a:prstDash val="solid"/>
+                      <a:round/>
+                      <a:headEnd type="none" w="med" len="med"/>
+                      <a:tailEnd type="none" w="med" len="med"/>
+                    </a:lnL>
+                    <a:lnR w="12700" cap="flat" cmpd="sng" algn="ctr">
+                      <a:solidFill>
+                        <a:schemeClr val="tx1"/>
+                      </a:solidFill>
+                      <a:prstDash val="solid"/>
+                      <a:round/>
+                      <a:headEnd type="none" w="med" len="med"/>
+                      <a:tailEnd type="none" w="med" len="med"/>
+                    </a:lnR>
+                    <a:lnT w="12700" cap="flat" cmpd="sng" algn="ctr">
+                      <a:solidFill>
+                        <a:schemeClr val="tx1"/>
+                      </a:solidFill>
+                      <a:prstDash val="solid"/>
+                      <a:round/>
+                      <a:headEnd type="none" w="med" len="med"/>
+                      <a:tailEnd type="none" w="med" len="med"/>
+                    </a:lnT>
+                    <a:lnB w="12700" cap="flat" cmpd="sng" algn="ctr">
+                      <a:solidFill>
+                        <a:schemeClr val="tx1"/>
+                      </a:solidFill>
+                      <a:prstDash val="solid"/>
+                      <a:round/>
+                      <a:headEnd type="none" w="med" len="med"/>
+                      <a:tailEnd type="none" w="med" len="med"/>
+                    </a:lnB>
+                    <a:noFill/>
+                  </a:tcPr>
+                </a:tc>
+                <a:tc>
+                  <a:txBody>
+                    <a:bodyPr/>
+                    <a:lstStyle/>
+                    <a:p>
+                      <a:pPr algn="ctr"/>
+                      <a:r>
+                        <a:rPr lang="zh-CN" altLang="en-US" dirty="0">
+                          <a:solidFill>
+                            <a:sysClr val="windowText" lastClr="000000"/>
+                          </a:solidFill>
+                          <a:latin typeface="思源黑体" panose="020B0500000000000000" pitchFamily="34" charset="-122"/>
+                          <a:ea typeface="思源黑体" panose="020B0500000000000000" pitchFamily="34" charset="-122"/>
+                        </a:rPr>
+                        <a:t>↓</a:t>
+                      </a:r>
+                    </a:p>
+                  </a:txBody>
+                  <a:tcPr anchor="ctr">
+                    <a:lnL w="12700" cap="flat" cmpd="sng" algn="ctr">
+                      <a:solidFill>
+                        <a:schemeClr val="tx1"/>
+                      </a:solidFill>
+                      <a:prstDash val="solid"/>
+                      <a:round/>
+                      <a:headEnd type="none" w="med" len="med"/>
+                      <a:tailEnd type="none" w="med" len="med"/>
+                    </a:lnL>
+                    <a:lnR w="12700" cap="flat" cmpd="sng" algn="ctr">
+                      <a:solidFill>
+                        <a:schemeClr val="tx1"/>
+                      </a:solidFill>
+                      <a:prstDash val="solid"/>
+                      <a:round/>
+                      <a:headEnd type="none" w="med" len="med"/>
+                      <a:tailEnd type="none" w="med" len="med"/>
+                    </a:lnR>
+                    <a:lnT w="12700" cap="flat" cmpd="sng" algn="ctr">
+                      <a:solidFill>
+                        <a:schemeClr val="tx1"/>
+                      </a:solidFill>
+                      <a:prstDash val="solid"/>
+                      <a:round/>
+                      <a:headEnd type="none" w="med" len="med"/>
+                      <a:tailEnd type="none" w="med" len="med"/>
+                    </a:lnT>
+                    <a:lnB w="12700" cap="flat" cmpd="sng" algn="ctr">
+                      <a:solidFill>
+                        <a:schemeClr val="tx1"/>
+                      </a:solidFill>
+                      <a:prstDash val="solid"/>
+                      <a:round/>
+                      <a:headEnd type="none" w="med" len="med"/>
+                      <a:tailEnd type="none" w="med" len="med"/>
+                    </a:lnB>
+                    <a:noFill/>
+                  </a:tcPr>
+                </a:tc>
+                <a:tc>
+                  <a:txBody>
+                    <a:bodyPr/>
+                    <a:lstStyle/>
+                    <a:p>
+                      <a:pPr algn="ctr"/>
+                      <a:r>
+                        <a:rPr lang="zh-CN" altLang="en-US" dirty="0">
+                          <a:solidFill>
+                            <a:sysClr val="windowText" lastClr="000000"/>
+                          </a:solidFill>
+                          <a:latin typeface="思源黑体" panose="020B0500000000000000" pitchFamily="34" charset="-122"/>
+                          <a:ea typeface="思源黑体" panose="020B0500000000000000" pitchFamily="34" charset="-122"/>
+                        </a:rPr>
+                        <a:t>↘</a:t>
+                      </a:r>
+                    </a:p>
+                  </a:txBody>
+                  <a:tcPr anchor="ctr">
+                    <a:lnL w="12700" cap="flat" cmpd="sng" algn="ctr">
+                      <a:solidFill>
+                        <a:schemeClr val="tx1"/>
+                      </a:solidFill>
+                      <a:prstDash val="solid"/>
+                      <a:round/>
+                      <a:headEnd type="none" w="med" len="med"/>
+                      <a:tailEnd type="none" w="med" len="med"/>
+                    </a:lnL>
+                    <a:lnR w="12700" cap="flat" cmpd="sng" algn="ctr">
+                      <a:solidFill>
+                        <a:schemeClr val="tx1"/>
+                      </a:solidFill>
+                      <a:prstDash val="solid"/>
+                      <a:round/>
+                      <a:headEnd type="none" w="med" len="med"/>
+                      <a:tailEnd type="none" w="med" len="med"/>
+                    </a:lnR>
+                    <a:lnT w="12700" cap="flat" cmpd="sng" algn="ctr">
+                      <a:solidFill>
+                        <a:schemeClr val="tx1"/>
+                      </a:solidFill>
+                      <a:prstDash val="solid"/>
+                      <a:round/>
+                      <a:headEnd type="none" w="med" len="med"/>
+                      <a:tailEnd type="none" w="med" len="med"/>
+                    </a:lnT>
+                    <a:lnB w="12700" cap="flat" cmpd="sng" algn="ctr">
+                      <a:solidFill>
+                        <a:schemeClr val="tx1"/>
+                      </a:solidFill>
+                      <a:prstDash val="solid"/>
+                      <a:round/>
+                      <a:headEnd type="none" w="med" len="med"/>
+                      <a:tailEnd type="none" w="med" len="med"/>
+                    </a:lnB>
+                    <a:noFill/>
+                  </a:tcPr>
+                </a:tc>
+                <a:extLst>
+                  <a:ext uri="{0D108BD9-81ED-4DB2-BD59-A6C34878D82A}">
+                    <a16:rowId xmlns:a16="http://schemas.microsoft.com/office/drawing/2014/main" val="3111519438"/>
+                  </a:ext>
+                </a:extLst>
+              </a:tr>
+            </a:tbl>
+          </a:graphicData>
+        </a:graphic>
+      </p:graphicFrame>
+      <p:sp>
+        <p:nvSpPr>
+          <p:cNvPr id="6" name="文本框 5">
+            <a:extLst>
+              <a:ext uri="{FF2B5EF4-FFF2-40B4-BE49-F238E27FC236}">
+                <a16:creationId xmlns:a16="http://schemas.microsoft.com/office/drawing/2014/main" id="{649EB778-012D-49BC-93DA-BF6A9F83DB9C}"/>
+              </a:ext>
+            </a:extLst>
+          </p:cNvPr>
+          <p:cNvSpPr txBox="1"/>
+          <p:nvPr/>
+        </p:nvSpPr>
+        <p:spPr>
+          <a:xfrm>
+            <a:off x="4041158" y="1638300"/>
+            <a:ext cx="877163" cy="369332"/>
+          </a:xfrm>
+          <a:prstGeom prst="rect">
+            <a:avLst/>
+          </a:prstGeom>
+          <a:noFill/>
+        </p:spPr>
+        <p:txBody>
+          <a:bodyPr wrap="none" rtlCol="0">
+            <a:spAutoFit/>
+          </a:bodyPr>
+          <a:lstStyle/>
+          <a:p>
+            <a:r>
+              <a:rPr lang="zh-CN" altLang="en-US" dirty="0"/>
+              <a:t>风力：</a:t>
+            </a:r>
+          </a:p>
+        </p:txBody>
+      </p:sp>
+      <p:sp>
+        <p:nvSpPr>
+          <p:cNvPr id="11" name="矩形 10">
+            <a:extLst>
+              <a:ext uri="{FF2B5EF4-FFF2-40B4-BE49-F238E27FC236}">
+                <a16:creationId xmlns:a16="http://schemas.microsoft.com/office/drawing/2014/main" id="{6E9FAB5E-07D3-4419-84C7-B014D2DD73B8}"/>
+              </a:ext>
+            </a:extLst>
+          </p:cNvPr>
+          <p:cNvSpPr/>
+          <p:nvPr/>
+        </p:nvSpPr>
+        <p:spPr>
+          <a:xfrm>
+            <a:off x="1275644" y="1569157"/>
+            <a:ext cx="5204178" cy="1625600"/>
+          </a:xfrm>
+          <a:prstGeom prst="rect">
+            <a:avLst/>
+          </a:prstGeom>
+          <a:noFill/>
+          <a:ln>
+            <a:solidFill>
+              <a:schemeClr val="tx1"/>
+            </a:solidFill>
+          </a:ln>
+        </p:spPr>
+        <p:style>
+          <a:lnRef idx="2">
+            <a:schemeClr val="accent1">
+              <a:shade val="50000"/>
+            </a:schemeClr>
+          </a:lnRef>
+          <a:fillRef idx="1">
+            <a:schemeClr val="accent1"/>
+          </a:fillRef>
+          <a:effectRef idx="0">
+            <a:schemeClr val="accent1"/>
+          </a:effectRef>
+          <a:fontRef idx="minor">
+            <a:schemeClr val="lt1"/>
+          </a:fontRef>
+        </p:style>
+        <p:txBody>
+          <a:bodyPr rtlCol="0" anchor="ctr"/>
+          <a:lstStyle/>
+          <a:p>
+            <a:pPr algn="ctr"/>
+            <a:endParaRPr lang="zh-CN" altLang="en-US"/>
+          </a:p>
+        </p:txBody>
+      </p:sp>
+    </p:spTree>
+    <p:controls>
+      <mc:AlternateContent xmlns:mc="http://schemas.openxmlformats.org/markup-compatibility/2006">
+        <mc:Choice xmlns:v="urn:schemas-microsoft-com:vml" Requires="v">
+          <p:control spid="1052" name="SpinButton1" r:id="rId2" imgW="276120" imgH="304920"/>
+        </mc:Choice>
+        <mc:Fallback>
+          <p:control name="SpinButton1" r:id="rId2" imgW="276120" imgH="304920">
+            <p:pic>
+              <p:nvPicPr>
+                <p:cNvPr id="9" name="SpinButton1">
+                  <a:extLst>
+                    <a:ext uri="{FF2B5EF4-FFF2-40B4-BE49-F238E27FC236}">
+                      <a16:creationId xmlns:a16="http://schemas.microsoft.com/office/drawing/2014/main" id="{17D30F09-57B8-4380-A2D6-CD6B0B368E8F}"/>
+                    </a:ext>
+                  </a:extLst>
+                </p:cNvPr>
+                <p:cNvPicPr>
+                  <a:picLocks/>
+                </p:cNvPicPr>
+                <p:nvPr/>
+              </p:nvPicPr>
+              <p:blipFill>
+                <a:blip r:embed="rId5"/>
+                <a:stretch>
+                  <a:fillRect/>
+                </a:stretch>
+              </p:blipFill>
+              <p:spPr>
+                <a:xfrm>
+                  <a:off x="6039820" y="2039382"/>
+                  <a:ext cx="279400" cy="304800"/>
+                </a:xfrm>
+                <a:prstGeom prst="rect">
+                  <a:avLst/>
+                </a:prstGeom>
+              </p:spPr>
+            </p:pic>
+          </p:control>
+        </mc:Fallback>
+      </mc:AlternateContent>
+      <mc:AlternateContent xmlns:mc="http://schemas.openxmlformats.org/markup-compatibility/2006">
+        <mc:Choice xmlns:v="urn:schemas-microsoft-com:vml" Requires="v">
+          <p:control spid="1053" name="TextBox1" r:id="rId3" imgW="2000160" imgH="285840"/>
+        </mc:Choice>
+        <mc:Fallback>
+          <p:control name="TextBox1" r:id="rId3" imgW="2000160" imgH="285840">
+            <p:pic>
+              <p:nvPicPr>
+                <p:cNvPr id="10" name="TextBox1">
+                  <a:extLst>
+                    <a:ext uri="{FF2B5EF4-FFF2-40B4-BE49-F238E27FC236}">
+                      <a16:creationId xmlns:a16="http://schemas.microsoft.com/office/drawing/2014/main" id="{F0A56D19-73C2-4CE2-BBAF-2195059993FC}"/>
+                    </a:ext>
+                  </a:extLst>
+                </p:cNvPr>
+                <p:cNvPicPr>
+                  <a:picLocks/>
+                </p:cNvPicPr>
+                <p:nvPr/>
+              </p:nvPicPr>
+              <p:blipFill>
+                <a:blip r:embed="rId6"/>
+                <a:stretch>
+                  <a:fillRect/>
+                </a:stretch>
+              </p:blipFill>
+              <p:spPr>
+                <a:xfrm>
+                  <a:off x="4041158" y="2059842"/>
+                  <a:ext cx="1998662" cy="284340"/>
+                </a:xfrm>
+                <a:prstGeom prst="rect">
+                  <a:avLst/>
+                </a:prstGeom>
+              </p:spPr>
+            </p:pic>
+          </p:control>
+        </mc:Fallback>
+      </mc:AlternateContent>
+    </p:controls>
+    <p:extLst>
+      <p:ext uri="{BB962C8B-B14F-4D97-AF65-F5344CB8AC3E}">
+        <p14:creationId xmlns:p14="http://schemas.microsoft.com/office/powerpoint/2010/main" val="2170362498"/>
+      </p:ext>
+    </p:extLst>
+  </p:cSld>
+  <p:clrMapOvr>
+    <a:masterClrMapping/>
+  </p:clrMapOvr>
+</p:sld>
+</file>
+
+<file path=ppt/slides/slide9.xml><?xml version="1.0" encoding="utf-8"?>
+<p:sld xmlns:a="http://schemas.openxmlformats.org/drawingml/2006/main" xmlns:r="http://schemas.openxmlformats.org/officeDocument/2006/relationships" xmlns:p="http://schemas.openxmlformats.org/presentationml/2006/main">
+  <p:cSld>
+    <p:spTree>
+      <p:nvGrpSpPr>
+        <p:cNvPr id="1" name=""/>
+        <p:cNvGrpSpPr/>
+        <p:nvPr/>
+      </p:nvGrpSpPr>
+      <p:grpSpPr>
+        <a:xfrm>
+          <a:off x="0" y="0"/>
+          <a:ext cx="0" cy="0"/>
+          <a:chOff x="0" y="0"/>
+          <a:chExt cx="0" cy="0"/>
+        </a:xfrm>
+      </p:grpSpPr>
+      <p:sp>
+        <p:nvSpPr>
+          <p:cNvPr id="4" name="文本框 3">
+            <a:extLst>
+              <a:ext uri="{FF2B5EF4-FFF2-40B4-BE49-F238E27FC236}">
+                <a16:creationId xmlns:a16="http://schemas.microsoft.com/office/drawing/2014/main" id="{D1DCFC05-2332-4AB2-ADCE-C2CD957C4518}"/>
+              </a:ext>
+            </a:extLst>
+          </p:cNvPr>
+          <p:cNvSpPr txBox="1"/>
+          <p:nvPr/>
+        </p:nvSpPr>
+        <p:spPr>
+          <a:xfrm>
+            <a:off x="1540934" y="966799"/>
+            <a:ext cx="1338828" cy="369332"/>
+          </a:xfrm>
+          <a:prstGeom prst="rect">
+            <a:avLst/>
+          </a:prstGeom>
+          <a:noFill/>
+        </p:spPr>
+        <p:txBody>
+          <a:bodyPr wrap="none" rtlCol="0">
+            <a:spAutoFit/>
+          </a:bodyPr>
+          <a:lstStyle/>
+          <a:p>
+            <a:r>
+              <a:rPr lang="zh-CN" altLang="en-US" dirty="0"/>
+              <a:t>降雨强度：</a:t>
+            </a:r>
+          </a:p>
+        </p:txBody>
+      </p:sp>
+      <p:sp>
+        <p:nvSpPr>
+          <p:cNvPr id="5" name="文本框 4">
+            <a:extLst>
+              <a:ext uri="{FF2B5EF4-FFF2-40B4-BE49-F238E27FC236}">
+                <a16:creationId xmlns:a16="http://schemas.microsoft.com/office/drawing/2014/main" id="{967AD879-2DFA-4290-B343-C025ABD9A14E}"/>
+              </a:ext>
+            </a:extLst>
+          </p:cNvPr>
+          <p:cNvSpPr txBox="1"/>
+          <p:nvPr/>
+        </p:nvSpPr>
+        <p:spPr>
+          <a:xfrm>
+            <a:off x="1332089" y="1450621"/>
+            <a:ext cx="1569660" cy="369332"/>
+          </a:xfrm>
+          <a:prstGeom prst="rect">
+            <a:avLst/>
+          </a:prstGeom>
+          <a:noFill/>
+        </p:spPr>
+        <p:txBody>
+          <a:bodyPr wrap="none" rtlCol="0">
+            <a:spAutoFit/>
+          </a:bodyPr>
+          <a:lstStyle/>
+          <a:p>
+            <a:r>
+              <a:rPr lang="zh-CN" altLang="en-US" dirty="0"/>
+              <a:t>海平面高度：</a:t>
+            </a:r>
+          </a:p>
+        </p:txBody>
+      </p:sp>
+      <p:sp>
+        <p:nvSpPr>
+          <p:cNvPr id="6" name="矩形 5">
+            <a:extLst>
+              <a:ext uri="{FF2B5EF4-FFF2-40B4-BE49-F238E27FC236}">
+                <a16:creationId xmlns:a16="http://schemas.microsoft.com/office/drawing/2014/main" id="{F5FDF4AE-D6E0-4FB9-9EA5-30A46E873E8C}"/>
+              </a:ext>
+            </a:extLst>
+          </p:cNvPr>
+          <p:cNvSpPr/>
+          <p:nvPr/>
+        </p:nvSpPr>
+        <p:spPr>
+          <a:xfrm>
+            <a:off x="1038578" y="863598"/>
+            <a:ext cx="5204178" cy="1174045"/>
+          </a:xfrm>
+          <a:prstGeom prst="rect">
+            <a:avLst/>
+          </a:prstGeom>
+          <a:noFill/>
+          <a:ln>
+            <a:solidFill>
+              <a:schemeClr val="tx1"/>
+            </a:solidFill>
+          </a:ln>
+        </p:spPr>
+        <p:style>
+          <a:lnRef idx="2">
+            <a:schemeClr val="accent1">
+              <a:shade val="50000"/>
+            </a:schemeClr>
+          </a:lnRef>
+          <a:fillRef idx="1">
+            <a:schemeClr val="accent1"/>
+          </a:fillRef>
+          <a:effectRef idx="0">
+            <a:schemeClr val="accent1"/>
+          </a:effectRef>
+          <a:fontRef idx="minor">
+            <a:schemeClr val="lt1"/>
+          </a:fontRef>
+        </p:style>
+        <p:txBody>
+          <a:bodyPr rtlCol="0" anchor="ctr"/>
+          <a:lstStyle/>
+          <a:p>
+            <a:pPr algn="ctr"/>
+            <a:endParaRPr lang="zh-CN" altLang="en-US"/>
+          </a:p>
+        </p:txBody>
+      </p:sp>
+    </p:spTree>
+    <p:controls>
+      <mc:AlternateContent xmlns:mc="http://schemas.openxmlformats.org/markup-compatibility/2006">
+        <mc:Choice xmlns:v="urn:schemas-microsoft-com:vml" Requires="v">
+          <p:control spid="2090" name="SpinButton1" r:id="rId2" imgW="276120" imgH="304920"/>
+        </mc:Choice>
+        <mc:Fallback>
+          <p:control name="SpinButton1" r:id="rId2" imgW="276120" imgH="304920">
+            <p:pic>
+              <p:nvPicPr>
+                <p:cNvPr id="7" name="SpinButton1">
+                  <a:extLst>
+                    <a:ext uri="{FF2B5EF4-FFF2-40B4-BE49-F238E27FC236}">
+                      <a16:creationId xmlns:a16="http://schemas.microsoft.com/office/drawing/2014/main" id="{63333B24-3145-46A5-BBB8-5B11286F096A}"/>
+                    </a:ext>
+                  </a:extLst>
+                </p:cNvPr>
+                <p:cNvPicPr>
+                  <a:picLocks/>
+                </p:cNvPicPr>
+                <p:nvPr/>
+              </p:nvPicPr>
+              <p:blipFill>
+                <a:blip r:embed="rId7"/>
+                <a:stretch>
+                  <a:fillRect/>
+                </a:stretch>
+              </p:blipFill>
+              <p:spPr>
+                <a:xfrm>
+                  <a:off x="4878424" y="1012798"/>
+                  <a:ext cx="279400" cy="304800"/>
+                </a:xfrm>
+                <a:prstGeom prst="rect">
+                  <a:avLst/>
+                </a:prstGeom>
+              </p:spPr>
+            </p:pic>
+          </p:control>
+        </mc:Fallback>
+      </mc:AlternateContent>
+      <mc:AlternateContent xmlns:mc="http://schemas.openxmlformats.org/markup-compatibility/2006">
+        <mc:Choice xmlns:v="urn:schemas-microsoft-com:vml" Requires="v">
+          <p:control spid="2091" name="TextBox1" r:id="rId3" imgW="2000160" imgH="285840"/>
+        </mc:Choice>
+        <mc:Fallback>
+          <p:control name="TextBox1" r:id="rId3" imgW="2000160" imgH="285840">
+            <p:pic>
+              <p:nvPicPr>
+                <p:cNvPr id="8" name="TextBox1">
+                  <a:extLst>
+                    <a:ext uri="{FF2B5EF4-FFF2-40B4-BE49-F238E27FC236}">
+                      <a16:creationId xmlns:a16="http://schemas.microsoft.com/office/drawing/2014/main" id="{BBB201EA-AED4-45CE-85FC-6197D919ECC7}"/>
+                    </a:ext>
+                  </a:extLst>
+                </p:cNvPr>
+                <p:cNvPicPr>
+                  <a:picLocks/>
+                </p:cNvPicPr>
+                <p:nvPr/>
+              </p:nvPicPr>
+              <p:blipFill>
+                <a:blip r:embed="rId8"/>
+                <a:stretch>
+                  <a:fillRect/>
+                </a:stretch>
+              </p:blipFill>
+              <p:spPr>
+                <a:xfrm>
+                  <a:off x="2879762" y="1033258"/>
+                  <a:ext cx="1998662" cy="284340"/>
+                </a:xfrm>
+                <a:prstGeom prst="rect">
+                  <a:avLst/>
+                </a:prstGeom>
+              </p:spPr>
+            </p:pic>
+          </p:control>
+        </mc:Fallback>
+      </mc:AlternateContent>
+      <mc:AlternateContent xmlns:mc="http://schemas.openxmlformats.org/markup-compatibility/2006">
+        <mc:Choice xmlns:v="urn:schemas-microsoft-com:vml" Requires="v">
+          <p:control spid="2092" name="SpinButton2" r:id="rId4" imgW="276120" imgH="304920"/>
+        </mc:Choice>
+        <mc:Fallback>
+          <p:control name="SpinButton2" r:id="rId4" imgW="276120" imgH="304920">
+            <p:pic>
+              <p:nvPicPr>
+                <p:cNvPr id="9" name="SpinButton2">
+                  <a:extLst>
+                    <a:ext uri="{FF2B5EF4-FFF2-40B4-BE49-F238E27FC236}">
+                      <a16:creationId xmlns:a16="http://schemas.microsoft.com/office/drawing/2014/main" id="{CCBA77DF-E37B-413A-BB4E-91218226A5AE}"/>
+                    </a:ext>
+                  </a:extLst>
+                </p:cNvPr>
+                <p:cNvPicPr>
+                  <a:picLocks/>
+                </p:cNvPicPr>
+                <p:nvPr/>
+              </p:nvPicPr>
+              <p:blipFill>
+                <a:blip r:embed="rId7"/>
+                <a:stretch>
+                  <a:fillRect/>
+                </a:stretch>
+              </p:blipFill>
+              <p:spPr>
+                <a:xfrm>
+                  <a:off x="4878424" y="1484488"/>
+                  <a:ext cx="279400" cy="304800"/>
+                </a:xfrm>
+                <a:prstGeom prst="rect">
+                  <a:avLst/>
+                </a:prstGeom>
+              </p:spPr>
+            </p:pic>
+          </p:control>
+        </mc:Fallback>
+      </mc:AlternateContent>
+      <mc:AlternateContent xmlns:mc="http://schemas.openxmlformats.org/markup-compatibility/2006">
+        <mc:Choice xmlns:v="urn:schemas-microsoft-com:vml" Requires="v">
+          <p:control spid="2093" name="TextBox2" r:id="rId5" imgW="2000160" imgH="285840"/>
+        </mc:Choice>
+        <mc:Fallback>
+          <p:control name="TextBox2" r:id="rId5" imgW="2000160" imgH="285840">
+            <p:pic>
+              <p:nvPicPr>
+                <p:cNvPr id="10" name="TextBox2">
+                  <a:extLst>
+                    <a:ext uri="{FF2B5EF4-FFF2-40B4-BE49-F238E27FC236}">
+                      <a16:creationId xmlns:a16="http://schemas.microsoft.com/office/drawing/2014/main" id="{4839F50E-C5A5-42B6-A873-249DEFEC44BB}"/>
+                    </a:ext>
+                  </a:extLst>
+                </p:cNvPr>
+                <p:cNvPicPr>
+                  <a:picLocks/>
+                </p:cNvPicPr>
+                <p:nvPr/>
+              </p:nvPicPr>
+              <p:blipFill>
+                <a:blip r:embed="rId8"/>
+                <a:stretch>
+                  <a:fillRect/>
+                </a:stretch>
+              </p:blipFill>
+              <p:spPr>
+                <a:xfrm>
+                  <a:off x="2879762" y="1504948"/>
+                  <a:ext cx="1998662" cy="284340"/>
+                </a:xfrm>
+                <a:prstGeom prst="rect">
+                  <a:avLst/>
+                </a:prstGeom>
+              </p:spPr>
+            </p:pic>
+          </p:control>
+        </mc:Fallback>
+      </mc:AlternateContent>
+    </p:controls>
+    <p:extLst>
+      <p:ext uri="{BB962C8B-B14F-4D97-AF65-F5344CB8AC3E}">
+        <p14:creationId xmlns:p14="http://schemas.microsoft.com/office/powerpoint/2010/main" val="1974608038"/>
       </p:ext>
     </p:extLst>
   </p:cSld>

--- a/Docs/design.pptx
+++ b/Docs/design.pptx
@@ -292,7 +292,7 @@
           <a:p>
             <a:fld id="{74658DE0-D763-4FE9-B2D7-5B1C358818CC}" type="datetimeFigureOut">
               <a:rPr lang="zh-CN" altLang="en-US" smtClean="0"/>
-              <a:t>2019/5/6</a:t>
+              <a:t>2019/5/7</a:t>
             </a:fld>
             <a:endParaRPr lang="zh-CN" altLang="en-US"/>
           </a:p>
@@ -970,7 +970,7 @@
           <a:p>
             <a:fld id="{DD0AB96B-F4EC-42A8-BDF3-AB5694935850}" type="datetimeFigureOut">
               <a:rPr lang="zh-CN" altLang="en-US" smtClean="0"/>
-              <a:t>2019/5/6</a:t>
+              <a:t>2019/5/7</a:t>
             </a:fld>
             <a:endParaRPr lang="zh-CN" altLang="en-US"/>
           </a:p>
@@ -1138,7 +1138,7 @@
           <a:p>
             <a:fld id="{DD0AB96B-F4EC-42A8-BDF3-AB5694935850}" type="datetimeFigureOut">
               <a:rPr lang="zh-CN" altLang="en-US" smtClean="0"/>
-              <a:t>2019/5/6</a:t>
+              <a:t>2019/5/7</a:t>
             </a:fld>
             <a:endParaRPr lang="zh-CN" altLang="en-US"/>
           </a:p>
@@ -1316,7 +1316,7 @@
           <a:p>
             <a:fld id="{DD0AB96B-F4EC-42A8-BDF3-AB5694935850}" type="datetimeFigureOut">
               <a:rPr lang="zh-CN" altLang="en-US" smtClean="0"/>
-              <a:t>2019/5/6</a:t>
+              <a:t>2019/5/7</a:t>
             </a:fld>
             <a:endParaRPr lang="zh-CN" altLang="en-US"/>
           </a:p>
@@ -1484,7 +1484,7 @@
           <a:p>
             <a:fld id="{DD0AB96B-F4EC-42A8-BDF3-AB5694935850}" type="datetimeFigureOut">
               <a:rPr lang="zh-CN" altLang="en-US" smtClean="0"/>
-              <a:t>2019/5/6</a:t>
+              <a:t>2019/5/7</a:t>
             </a:fld>
             <a:endParaRPr lang="zh-CN" altLang="en-US"/>
           </a:p>
@@ -1729,7 +1729,7 @@
           <a:p>
             <a:fld id="{DD0AB96B-F4EC-42A8-BDF3-AB5694935850}" type="datetimeFigureOut">
               <a:rPr lang="zh-CN" altLang="en-US" smtClean="0"/>
-              <a:t>2019/5/6</a:t>
+              <a:t>2019/5/7</a:t>
             </a:fld>
             <a:endParaRPr lang="zh-CN" altLang="en-US"/>
           </a:p>
@@ -1958,7 +1958,7 @@
           <a:p>
             <a:fld id="{DD0AB96B-F4EC-42A8-BDF3-AB5694935850}" type="datetimeFigureOut">
               <a:rPr lang="zh-CN" altLang="en-US" smtClean="0"/>
-              <a:t>2019/5/6</a:t>
+              <a:t>2019/5/7</a:t>
             </a:fld>
             <a:endParaRPr lang="zh-CN" altLang="en-US"/>
           </a:p>
@@ -2322,7 +2322,7 @@
           <a:p>
             <a:fld id="{DD0AB96B-F4EC-42A8-BDF3-AB5694935850}" type="datetimeFigureOut">
               <a:rPr lang="zh-CN" altLang="en-US" smtClean="0"/>
-              <a:t>2019/5/6</a:t>
+              <a:t>2019/5/7</a:t>
             </a:fld>
             <a:endParaRPr lang="zh-CN" altLang="en-US"/>
           </a:p>
@@ -2439,7 +2439,7 @@
           <a:p>
             <a:fld id="{DD0AB96B-F4EC-42A8-BDF3-AB5694935850}" type="datetimeFigureOut">
               <a:rPr lang="zh-CN" altLang="en-US" smtClean="0"/>
-              <a:t>2019/5/6</a:t>
+              <a:t>2019/5/7</a:t>
             </a:fld>
             <a:endParaRPr lang="zh-CN" altLang="en-US"/>
           </a:p>
@@ -2534,7 +2534,7 @@
           <a:p>
             <a:fld id="{DD0AB96B-F4EC-42A8-BDF3-AB5694935850}" type="datetimeFigureOut">
               <a:rPr lang="zh-CN" altLang="en-US" smtClean="0"/>
-              <a:t>2019/5/6</a:t>
+              <a:t>2019/5/7</a:t>
             </a:fld>
             <a:endParaRPr lang="zh-CN" altLang="en-US"/>
           </a:p>
@@ -2809,7 +2809,7 @@
           <a:p>
             <a:fld id="{DD0AB96B-F4EC-42A8-BDF3-AB5694935850}" type="datetimeFigureOut">
               <a:rPr lang="zh-CN" altLang="en-US" smtClean="0"/>
-              <a:t>2019/5/6</a:t>
+              <a:t>2019/5/7</a:t>
             </a:fld>
             <a:endParaRPr lang="zh-CN" altLang="en-US"/>
           </a:p>
@@ -3061,7 +3061,7 @@
           <a:p>
             <a:fld id="{DD0AB96B-F4EC-42A8-BDF3-AB5694935850}" type="datetimeFigureOut">
               <a:rPr lang="zh-CN" altLang="en-US" smtClean="0"/>
-              <a:t>2019/5/6</a:t>
+              <a:t>2019/5/7</a:t>
             </a:fld>
             <a:endParaRPr lang="zh-CN" altLang="en-US"/>
           </a:p>
@@ -3272,7 +3272,7 @@
           <a:p>
             <a:fld id="{DD0AB96B-F4EC-42A8-BDF3-AB5694935850}" type="datetimeFigureOut">
               <a:rPr lang="zh-CN" altLang="en-US" smtClean="0"/>
-              <a:t>2019/5/6</a:t>
+              <a:t>2019/5/7</a:t>
             </a:fld>
             <a:endParaRPr lang="zh-CN" altLang="en-US"/>
           </a:p>
@@ -7105,7 +7105,7 @@
     <p:controls>
       <mc:AlternateContent xmlns:mc="http://schemas.openxmlformats.org/markup-compatibility/2006">
         <mc:Choice xmlns:v="urn:schemas-microsoft-com:vml" Requires="v">
-          <p:control spid="3130" name="SpinButton1" r:id="rId2" imgW="276120" imgH="304920"/>
+          <p:control spid="3138" name="SpinButton1" r:id="rId2" imgW="276120" imgH="304920"/>
         </mc:Choice>
         <mc:Fallback>
           <p:control name="SpinButton1" r:id="rId2" imgW="276120" imgH="304920">
@@ -7144,7 +7144,7 @@
       </mc:AlternateContent>
       <mc:AlternateContent xmlns:mc="http://schemas.openxmlformats.org/markup-compatibility/2006">
         <mc:Choice xmlns:v="urn:schemas-microsoft-com:vml" Requires="v">
-          <p:control spid="3131" name="TextBox1" r:id="rId3" imgW="2000160" imgH="285840"/>
+          <p:control spid="3139" name="TextBox1" r:id="rId3" imgW="2000160" imgH="285840"/>
         </mc:Choice>
         <mc:Fallback>
           <p:control name="TextBox1" r:id="rId3" imgW="2000160" imgH="285840">
@@ -7183,7 +7183,7 @@
       </mc:AlternateContent>
       <mc:AlternateContent xmlns:mc="http://schemas.openxmlformats.org/markup-compatibility/2006">
         <mc:Choice xmlns:v="urn:schemas-microsoft-com:vml" Requires="v">
-          <p:control spid="3132" name="SpinButton2" r:id="rId4" imgW="276120" imgH="304920"/>
+          <p:control spid="3140" name="SpinButton2" r:id="rId4" imgW="276120" imgH="304920"/>
         </mc:Choice>
         <mc:Fallback>
           <p:control name="SpinButton2" r:id="rId4" imgW="276120" imgH="304920">
@@ -7222,7 +7222,7 @@
       </mc:AlternateContent>
       <mc:AlternateContent xmlns:mc="http://schemas.openxmlformats.org/markup-compatibility/2006">
         <mc:Choice xmlns:v="urn:schemas-microsoft-com:vml" Requires="v">
-          <p:control spid="3133" name="TextBox2" r:id="rId5" imgW="2000160" imgH="285840"/>
+          <p:control spid="3141" name="TextBox2" r:id="rId5" imgW="2000160" imgH="285840"/>
         </mc:Choice>
         <mc:Fallback>
           <p:control name="TextBox2" r:id="rId5" imgW="2000160" imgH="285840">
@@ -7261,7 +7261,7 @@
       </mc:AlternateContent>
       <mc:AlternateContent xmlns:mc="http://schemas.openxmlformats.org/markup-compatibility/2006">
         <mc:Choice xmlns:v="urn:schemas-microsoft-com:vml" Requires="v">
-          <p:control spid="3134" name="SpinButton3" r:id="rId6" imgW="276120" imgH="304920"/>
+          <p:control spid="3142" name="SpinButton3" r:id="rId6" imgW="276120" imgH="304920"/>
         </mc:Choice>
         <mc:Fallback>
           <p:control name="SpinButton3" r:id="rId6" imgW="276120" imgH="304920">
@@ -7300,7 +7300,7 @@
       </mc:AlternateContent>
       <mc:AlternateContent xmlns:mc="http://schemas.openxmlformats.org/markup-compatibility/2006">
         <mc:Choice xmlns:v="urn:schemas-microsoft-com:vml" Requires="v">
-          <p:control spid="3135" name="TextBox3" r:id="rId7" imgW="2000160" imgH="285840"/>
+          <p:control spid="3143" name="TextBox3" r:id="rId7" imgW="2000160" imgH="285840"/>
         </mc:Choice>
         <mc:Fallback>
           <p:control name="TextBox3" r:id="rId7" imgW="2000160" imgH="285840">
@@ -7339,7 +7339,7 @@
       </mc:AlternateContent>
       <mc:AlternateContent xmlns:mc="http://schemas.openxmlformats.org/markup-compatibility/2006">
         <mc:Choice xmlns:v="urn:schemas-microsoft-com:vml" Requires="v">
-          <p:control spid="3136" name="SpinButton4" r:id="rId8" imgW="276120" imgH="304920"/>
+          <p:control spid="3144" name="SpinButton4" r:id="rId8" imgW="276120" imgH="304920"/>
         </mc:Choice>
         <mc:Fallback>
           <p:control name="SpinButton4" r:id="rId8" imgW="276120" imgH="304920">
@@ -7378,7 +7378,7 @@
       </mc:AlternateContent>
       <mc:AlternateContent xmlns:mc="http://schemas.openxmlformats.org/markup-compatibility/2006">
         <mc:Choice xmlns:v="urn:schemas-microsoft-com:vml" Requires="v">
-          <p:control spid="3137" name="TextBox4" r:id="rId9" imgW="2000160" imgH="285840"/>
+          <p:control spid="3145" name="TextBox4" r:id="rId9" imgW="2000160" imgH="285840"/>
         </mc:Choice>
         <mc:Fallback>
           <p:control name="TextBox4" r:id="rId9" imgW="2000160" imgH="285840">
@@ -8143,7 +8143,7 @@
     <p:controls>
       <mc:AlternateContent xmlns:mc="http://schemas.openxmlformats.org/markup-compatibility/2006">
         <mc:Choice xmlns:v="urn:schemas-microsoft-com:vml" Requires="v">
-          <p:control spid="1052" name="SpinButton1" r:id="rId2" imgW="276120" imgH="304920"/>
+          <p:control spid="1054" name="SpinButton1" r:id="rId2" imgW="276120" imgH="304920"/>
         </mc:Choice>
         <mc:Fallback>
           <p:control name="SpinButton1" r:id="rId2" imgW="276120" imgH="304920">
@@ -8182,7 +8182,7 @@
       </mc:AlternateContent>
       <mc:AlternateContent xmlns:mc="http://schemas.openxmlformats.org/markup-compatibility/2006">
         <mc:Choice xmlns:v="urn:schemas-microsoft-com:vml" Requires="v">
-          <p:control spid="1053" name="TextBox1" r:id="rId3" imgW="2000160" imgH="285840"/>
+          <p:control spid="1055" name="TextBox1" r:id="rId3" imgW="2000160" imgH="285840"/>
         </mc:Choice>
         <mc:Fallback>
           <p:control name="TextBox1" r:id="rId3" imgW="2000160" imgH="285840">
@@ -8375,7 +8375,7 @@
     <p:controls>
       <mc:AlternateContent xmlns:mc="http://schemas.openxmlformats.org/markup-compatibility/2006">
         <mc:Choice xmlns:v="urn:schemas-microsoft-com:vml" Requires="v">
-          <p:control spid="2090" name="SpinButton1" r:id="rId2" imgW="276120" imgH="304920"/>
+          <p:control spid="2094" name="SpinButton1" r:id="rId2" imgW="276120" imgH="304920"/>
         </mc:Choice>
         <mc:Fallback>
           <p:control name="SpinButton1" r:id="rId2" imgW="276120" imgH="304920">
@@ -8414,7 +8414,7 @@
       </mc:AlternateContent>
       <mc:AlternateContent xmlns:mc="http://schemas.openxmlformats.org/markup-compatibility/2006">
         <mc:Choice xmlns:v="urn:schemas-microsoft-com:vml" Requires="v">
-          <p:control spid="2091" name="TextBox1" r:id="rId3" imgW="2000160" imgH="285840"/>
+          <p:control spid="2095" name="TextBox1" r:id="rId3" imgW="2000160" imgH="285840"/>
         </mc:Choice>
         <mc:Fallback>
           <p:control name="TextBox1" r:id="rId3" imgW="2000160" imgH="285840">
@@ -8453,7 +8453,7 @@
       </mc:AlternateContent>
       <mc:AlternateContent xmlns:mc="http://schemas.openxmlformats.org/markup-compatibility/2006">
         <mc:Choice xmlns:v="urn:schemas-microsoft-com:vml" Requires="v">
-          <p:control spid="2092" name="SpinButton2" r:id="rId4" imgW="276120" imgH="304920"/>
+          <p:control spid="2096" name="SpinButton2" r:id="rId4" imgW="276120" imgH="304920"/>
         </mc:Choice>
         <mc:Fallback>
           <p:control name="SpinButton2" r:id="rId4" imgW="276120" imgH="304920">
@@ -8492,7 +8492,7 @@
       </mc:AlternateContent>
       <mc:AlternateContent xmlns:mc="http://schemas.openxmlformats.org/markup-compatibility/2006">
         <mc:Choice xmlns:v="urn:schemas-microsoft-com:vml" Requires="v">
-          <p:control spid="2093" name="TextBox2" r:id="rId5" imgW="2000160" imgH="285840"/>
+          <p:control spid="2097" name="TextBox2" r:id="rId5" imgW="2000160" imgH="285840"/>
         </mc:Choice>
         <mc:Fallback>
           <p:control name="TextBox2" r:id="rId5" imgW="2000160" imgH="285840">
